--- a/Docs/Presentations/Slides/Capstone Showcase Active.pptx
+++ b/Docs/Presentations/Slides/Capstone Showcase Active.pptx
@@ -2,21 +2,17 @@
 <file path=ppt/presentation.xml><?xml version="1.0" encoding="utf-8"?>
 <p:presentation xmlns:a="http://schemas.openxmlformats.org/drawingml/2006/main" xmlns:r="http://schemas.openxmlformats.org/officeDocument/2006/relationships" xmlns:p="http://schemas.openxmlformats.org/presentationml/2006/main" saveSubsetFonts="1">
   <p:sldMasterIdLst>
-    <p:sldMasterId id="2147483648" r:id="rId1"/>
+    <p:sldMasterId id="2147483660" r:id="rId1"/>
   </p:sldMasterIdLst>
   <p:notesMasterIdLst>
-    <p:notesMasterId r:id="rId8"/>
+    <p:notesMasterId r:id="rId4"/>
   </p:notesMasterIdLst>
   <p:handoutMasterIdLst>
-    <p:handoutMasterId r:id="rId9"/>
+    <p:handoutMasterId r:id="rId5"/>
   </p:handoutMasterIdLst>
   <p:sldIdLst>
     <p:sldId id="257" r:id="rId2"/>
     <p:sldId id="256" r:id="rId3"/>
-    <p:sldId id="258" r:id="rId4"/>
-    <p:sldId id="259" r:id="rId5"/>
-    <p:sldId id="260" r:id="rId6"/>
-    <p:sldId id="261" r:id="rId7"/>
   </p:sldIdLst>
   <p:sldSz cx="12192000" cy="6858000"/>
   <p:notesSz cx="6858000" cy="9144000"/>
@@ -205,7 +201,7 @@
           <a:p>
             <a:fld id="{44E562D0-84FD-411E-8C3F-A36A948BC859}" type="datetimeFigureOut">
               <a:rPr lang="en-US" smtClean="0"/>
-              <a:t>6/4/2017</a:t>
+              <a:t>6/5/2017</a:t>
             </a:fld>
             <a:endParaRPr lang="en-US"/>
           </a:p>
@@ -370,7 +366,7 @@
           <a:p>
             <a:fld id="{66175D2C-1B39-43F9-A837-A8832EDEE424}" type="datetimeFigureOut">
               <a:rPr lang="en-US" smtClean="0"/>
-              <a:t>6/4/2017</a:t>
+              <a:t>6/5/2017</a:t>
             </a:fld>
             <a:endParaRPr lang="en-US"/>
           </a:p>
@@ -722,342 +718,6 @@
 </p:notes>
 </file>
 
-<file path=ppt/notesSlides/notesSlide2.xml><?xml version="1.0" encoding="utf-8"?>
-<p:notes xmlns:a="http://schemas.openxmlformats.org/drawingml/2006/main" xmlns:r="http://schemas.openxmlformats.org/officeDocument/2006/relationships" xmlns:p="http://schemas.openxmlformats.org/presentationml/2006/main">
-  <p:cSld>
-    <p:spTree>
-      <p:nvGrpSpPr>
-        <p:cNvPr id="1" name=""/>
-        <p:cNvGrpSpPr/>
-        <p:nvPr/>
-      </p:nvGrpSpPr>
-      <p:grpSpPr>
-        <a:xfrm>
-          <a:off x="0" y="0"/>
-          <a:ext cx="0" cy="0"/>
-          <a:chOff x="0" y="0"/>
-          <a:chExt cx="0" cy="0"/>
-        </a:xfrm>
-      </p:grpSpPr>
-      <p:sp>
-        <p:nvSpPr>
-          <p:cNvPr id="2" name="Slide Image Placeholder 1"/>
-          <p:cNvSpPr>
-            <a:spLocks noGrp="1" noRot="1" noChangeAspect="1"/>
-          </p:cNvSpPr>
-          <p:nvPr>
-            <p:ph type="sldImg"/>
-          </p:nvPr>
-        </p:nvSpPr>
-        <p:spPr/>
-      </p:sp>
-      <p:sp>
-        <p:nvSpPr>
-          <p:cNvPr id="3" name="Notes Placeholder 2"/>
-          <p:cNvSpPr>
-            <a:spLocks noGrp="1"/>
-          </p:cNvSpPr>
-          <p:nvPr>
-            <p:ph type="body" idx="1"/>
-          </p:nvPr>
-        </p:nvSpPr>
-        <p:spPr/>
-        <p:txBody>
-          <a:bodyPr/>
-          <a:lstStyle/>
-          <a:p>
-            <a:endParaRPr lang="en-US"/>
-          </a:p>
-        </p:txBody>
-      </p:sp>
-      <p:sp>
-        <p:nvSpPr>
-          <p:cNvPr id="4" name="Slide Number Placeholder 3"/>
-          <p:cNvSpPr>
-            <a:spLocks noGrp="1"/>
-          </p:cNvSpPr>
-          <p:nvPr>
-            <p:ph type="sldNum" sz="quarter" idx="10"/>
-          </p:nvPr>
-        </p:nvSpPr>
-        <p:spPr/>
-        <p:txBody>
-          <a:bodyPr/>
-          <a:lstStyle/>
-          <a:p>
-            <a:fld id="{41270EAE-2722-4055-9DC6-0148D79BD176}" type="slidenum">
-              <a:rPr lang="en-US" smtClean="0"/>
-              <a:t>3</a:t>
-            </a:fld>
-            <a:endParaRPr lang="en-US"/>
-          </a:p>
-        </p:txBody>
-      </p:sp>
-    </p:spTree>
-    <p:extLst>
-      <p:ext uri="{BB962C8B-B14F-4D97-AF65-F5344CB8AC3E}">
-        <p14:creationId xmlns:p14="http://schemas.microsoft.com/office/powerpoint/2010/main" val="2596773669"/>
-      </p:ext>
-    </p:extLst>
-  </p:cSld>
-  <p:clrMapOvr>
-    <a:masterClrMapping/>
-  </p:clrMapOvr>
-</p:notes>
-</file>
-
-<file path=ppt/notesSlides/notesSlide3.xml><?xml version="1.0" encoding="utf-8"?>
-<p:notes xmlns:a="http://schemas.openxmlformats.org/drawingml/2006/main" xmlns:r="http://schemas.openxmlformats.org/officeDocument/2006/relationships" xmlns:p="http://schemas.openxmlformats.org/presentationml/2006/main">
-  <p:cSld>
-    <p:spTree>
-      <p:nvGrpSpPr>
-        <p:cNvPr id="1" name=""/>
-        <p:cNvGrpSpPr/>
-        <p:nvPr/>
-      </p:nvGrpSpPr>
-      <p:grpSpPr>
-        <a:xfrm>
-          <a:off x="0" y="0"/>
-          <a:ext cx="0" cy="0"/>
-          <a:chOff x="0" y="0"/>
-          <a:chExt cx="0" cy="0"/>
-        </a:xfrm>
-      </p:grpSpPr>
-      <p:sp>
-        <p:nvSpPr>
-          <p:cNvPr id="2" name="Slide Image Placeholder 1"/>
-          <p:cNvSpPr>
-            <a:spLocks noGrp="1" noRot="1" noChangeAspect="1"/>
-          </p:cNvSpPr>
-          <p:nvPr>
-            <p:ph type="sldImg"/>
-          </p:nvPr>
-        </p:nvSpPr>
-        <p:spPr/>
-      </p:sp>
-      <p:sp>
-        <p:nvSpPr>
-          <p:cNvPr id="3" name="Notes Placeholder 2"/>
-          <p:cNvSpPr>
-            <a:spLocks noGrp="1"/>
-          </p:cNvSpPr>
-          <p:nvPr>
-            <p:ph type="body" idx="1"/>
-          </p:nvPr>
-        </p:nvSpPr>
-        <p:spPr/>
-        <p:txBody>
-          <a:bodyPr/>
-          <a:lstStyle/>
-          <a:p>
-            <a:endParaRPr lang="en-US"/>
-          </a:p>
-        </p:txBody>
-      </p:sp>
-      <p:sp>
-        <p:nvSpPr>
-          <p:cNvPr id="4" name="Slide Number Placeholder 3"/>
-          <p:cNvSpPr>
-            <a:spLocks noGrp="1"/>
-          </p:cNvSpPr>
-          <p:nvPr>
-            <p:ph type="sldNum" sz="quarter" idx="10"/>
-          </p:nvPr>
-        </p:nvSpPr>
-        <p:spPr/>
-        <p:txBody>
-          <a:bodyPr/>
-          <a:lstStyle/>
-          <a:p>
-            <a:fld id="{41270EAE-2722-4055-9DC6-0148D79BD176}" type="slidenum">
-              <a:rPr lang="en-US" smtClean="0"/>
-              <a:t>4</a:t>
-            </a:fld>
-            <a:endParaRPr lang="en-US"/>
-          </a:p>
-        </p:txBody>
-      </p:sp>
-    </p:spTree>
-    <p:extLst>
-      <p:ext uri="{BB962C8B-B14F-4D97-AF65-F5344CB8AC3E}">
-        <p14:creationId xmlns:p14="http://schemas.microsoft.com/office/powerpoint/2010/main" val="2755330536"/>
-      </p:ext>
-    </p:extLst>
-  </p:cSld>
-  <p:clrMapOvr>
-    <a:masterClrMapping/>
-  </p:clrMapOvr>
-</p:notes>
-</file>
-
-<file path=ppt/notesSlides/notesSlide4.xml><?xml version="1.0" encoding="utf-8"?>
-<p:notes xmlns:a="http://schemas.openxmlformats.org/drawingml/2006/main" xmlns:r="http://schemas.openxmlformats.org/officeDocument/2006/relationships" xmlns:p="http://schemas.openxmlformats.org/presentationml/2006/main">
-  <p:cSld>
-    <p:spTree>
-      <p:nvGrpSpPr>
-        <p:cNvPr id="1" name=""/>
-        <p:cNvGrpSpPr/>
-        <p:nvPr/>
-      </p:nvGrpSpPr>
-      <p:grpSpPr>
-        <a:xfrm>
-          <a:off x="0" y="0"/>
-          <a:ext cx="0" cy="0"/>
-          <a:chOff x="0" y="0"/>
-          <a:chExt cx="0" cy="0"/>
-        </a:xfrm>
-      </p:grpSpPr>
-      <p:sp>
-        <p:nvSpPr>
-          <p:cNvPr id="2" name="Slide Image Placeholder 1"/>
-          <p:cNvSpPr>
-            <a:spLocks noGrp="1" noRot="1" noChangeAspect="1"/>
-          </p:cNvSpPr>
-          <p:nvPr>
-            <p:ph type="sldImg"/>
-          </p:nvPr>
-        </p:nvSpPr>
-        <p:spPr/>
-      </p:sp>
-      <p:sp>
-        <p:nvSpPr>
-          <p:cNvPr id="3" name="Notes Placeholder 2"/>
-          <p:cNvSpPr>
-            <a:spLocks noGrp="1"/>
-          </p:cNvSpPr>
-          <p:nvPr>
-            <p:ph type="body" idx="1"/>
-          </p:nvPr>
-        </p:nvSpPr>
-        <p:spPr/>
-        <p:txBody>
-          <a:bodyPr/>
-          <a:lstStyle/>
-          <a:p>
-            <a:endParaRPr lang="en-US"/>
-          </a:p>
-        </p:txBody>
-      </p:sp>
-      <p:sp>
-        <p:nvSpPr>
-          <p:cNvPr id="4" name="Slide Number Placeholder 3"/>
-          <p:cNvSpPr>
-            <a:spLocks noGrp="1"/>
-          </p:cNvSpPr>
-          <p:nvPr>
-            <p:ph type="sldNum" sz="quarter" idx="10"/>
-          </p:nvPr>
-        </p:nvSpPr>
-        <p:spPr/>
-        <p:txBody>
-          <a:bodyPr/>
-          <a:lstStyle/>
-          <a:p>
-            <a:fld id="{41270EAE-2722-4055-9DC6-0148D79BD176}" type="slidenum">
-              <a:rPr lang="en-US" smtClean="0"/>
-              <a:t>5</a:t>
-            </a:fld>
-            <a:endParaRPr lang="en-US"/>
-          </a:p>
-        </p:txBody>
-      </p:sp>
-    </p:spTree>
-    <p:extLst>
-      <p:ext uri="{BB962C8B-B14F-4D97-AF65-F5344CB8AC3E}">
-        <p14:creationId xmlns:p14="http://schemas.microsoft.com/office/powerpoint/2010/main" val="424856072"/>
-      </p:ext>
-    </p:extLst>
-  </p:cSld>
-  <p:clrMapOvr>
-    <a:masterClrMapping/>
-  </p:clrMapOvr>
-</p:notes>
-</file>
-
-<file path=ppt/notesSlides/notesSlide5.xml><?xml version="1.0" encoding="utf-8"?>
-<p:notes xmlns:a="http://schemas.openxmlformats.org/drawingml/2006/main" xmlns:r="http://schemas.openxmlformats.org/officeDocument/2006/relationships" xmlns:p="http://schemas.openxmlformats.org/presentationml/2006/main">
-  <p:cSld>
-    <p:spTree>
-      <p:nvGrpSpPr>
-        <p:cNvPr id="1" name=""/>
-        <p:cNvGrpSpPr/>
-        <p:nvPr/>
-      </p:nvGrpSpPr>
-      <p:grpSpPr>
-        <a:xfrm>
-          <a:off x="0" y="0"/>
-          <a:ext cx="0" cy="0"/>
-          <a:chOff x="0" y="0"/>
-          <a:chExt cx="0" cy="0"/>
-        </a:xfrm>
-      </p:grpSpPr>
-      <p:sp>
-        <p:nvSpPr>
-          <p:cNvPr id="2" name="Slide Image Placeholder 1"/>
-          <p:cNvSpPr>
-            <a:spLocks noGrp="1" noRot="1" noChangeAspect="1"/>
-          </p:cNvSpPr>
-          <p:nvPr>
-            <p:ph type="sldImg"/>
-          </p:nvPr>
-        </p:nvSpPr>
-        <p:spPr/>
-      </p:sp>
-      <p:sp>
-        <p:nvSpPr>
-          <p:cNvPr id="3" name="Notes Placeholder 2"/>
-          <p:cNvSpPr>
-            <a:spLocks noGrp="1"/>
-          </p:cNvSpPr>
-          <p:nvPr>
-            <p:ph type="body" idx="1"/>
-          </p:nvPr>
-        </p:nvSpPr>
-        <p:spPr/>
-        <p:txBody>
-          <a:bodyPr/>
-          <a:lstStyle/>
-          <a:p>
-            <a:endParaRPr lang="en-US"/>
-          </a:p>
-        </p:txBody>
-      </p:sp>
-      <p:sp>
-        <p:nvSpPr>
-          <p:cNvPr id="4" name="Slide Number Placeholder 3"/>
-          <p:cNvSpPr>
-            <a:spLocks noGrp="1"/>
-          </p:cNvSpPr>
-          <p:nvPr>
-            <p:ph type="sldNum" sz="quarter" idx="10"/>
-          </p:nvPr>
-        </p:nvSpPr>
-        <p:spPr/>
-        <p:txBody>
-          <a:bodyPr/>
-          <a:lstStyle/>
-          <a:p>
-            <a:fld id="{41270EAE-2722-4055-9DC6-0148D79BD176}" type="slidenum">
-              <a:rPr lang="en-US" smtClean="0"/>
-              <a:t>6</a:t>
-            </a:fld>
-            <a:endParaRPr lang="en-US"/>
-          </a:p>
-        </p:txBody>
-      </p:sp>
-    </p:spTree>
-    <p:extLst>
-      <p:ext uri="{BB962C8B-B14F-4D97-AF65-F5344CB8AC3E}">
-        <p14:creationId xmlns:p14="http://schemas.microsoft.com/office/powerpoint/2010/main" val="3132093504"/>
-      </p:ext>
-    </p:extLst>
-  </p:cSld>
-  <p:clrMapOvr>
-    <a:masterClrMapping/>
-  </p:clrMapOvr>
-</p:notes>
-</file>
-
 <file path=ppt/slideLayouts/slideLayout1.xml><?xml version="1.0" encoding="utf-8"?>
 <p:sldLayout xmlns:a="http://schemas.openxmlformats.org/drawingml/2006/main" xmlns:r="http://schemas.openxmlformats.org/officeDocument/2006/relationships" xmlns:p="http://schemas.openxmlformats.org/presentationml/2006/main" type="title" preserve="1">
   <p:cSld name="Title Slide">
@@ -1189,7 +849,7 @@
           <a:p>
             <a:fld id="{A3262095-DDFB-454B-A6DA-90DBA20ABDC0}" type="datetime1">
               <a:rPr lang="en-US" smtClean="0"/>
-              <a:t>6/4/2017</a:t>
+              <a:t>6/5/2017</a:t>
             </a:fld>
             <a:endParaRPr lang="en-US"/>
           </a:p>
@@ -1240,7 +900,7 @@
     </p:spTree>
     <p:extLst>
       <p:ext uri="{BB962C8B-B14F-4D97-AF65-F5344CB8AC3E}">
-        <p14:creationId xmlns:p14="http://schemas.microsoft.com/office/powerpoint/2010/main" val="1861972270"/>
+        <p14:creationId xmlns:p14="http://schemas.microsoft.com/office/powerpoint/2010/main" val="2679606668"/>
       </p:ext>
     </p:extLst>
   </p:cSld>
@@ -1308,7 +968,7 @@
             <a:pPr lvl="0"/>
             <a:r>
               <a:rPr lang="en-US" smtClean="0"/>
-              <a:t>Click to edit Master text styles</a:t>
+              <a:t>Edit Master text styles</a:t>
             </a:r>
           </a:p>
           <a:p>
@@ -1359,7 +1019,7 @@
           <a:p>
             <a:fld id="{B5E7B701-CC3D-4513-A491-644406E6E0F3}" type="datetime1">
               <a:rPr lang="en-US" smtClean="0"/>
-              <a:t>6/4/2017</a:t>
+              <a:t>6/5/2017</a:t>
             </a:fld>
             <a:endParaRPr lang="en-US"/>
           </a:p>
@@ -1410,7 +1070,7 @@
     </p:spTree>
     <p:extLst>
       <p:ext uri="{BB962C8B-B14F-4D97-AF65-F5344CB8AC3E}">
-        <p14:creationId xmlns:p14="http://schemas.microsoft.com/office/powerpoint/2010/main" val="2885852407"/>
+        <p14:creationId xmlns:p14="http://schemas.microsoft.com/office/powerpoint/2010/main" val="3288908872"/>
       </p:ext>
     </p:extLst>
   </p:cSld>
@@ -1488,7 +1148,7 @@
             <a:pPr lvl="0"/>
             <a:r>
               <a:rPr lang="en-US" smtClean="0"/>
-              <a:t>Click to edit Master text styles</a:t>
+              <a:t>Edit Master text styles</a:t>
             </a:r>
           </a:p>
           <a:p>
@@ -1539,7 +1199,7 @@
           <a:p>
             <a:fld id="{06394014-7AF7-469C-99A4-D8404E64CDA7}" type="datetime1">
               <a:rPr lang="en-US" smtClean="0"/>
-              <a:t>6/4/2017</a:t>
+              <a:t>6/5/2017</a:t>
             </a:fld>
             <a:endParaRPr lang="en-US"/>
           </a:p>
@@ -1590,7 +1250,7 @@
     </p:spTree>
     <p:extLst>
       <p:ext uri="{BB962C8B-B14F-4D97-AF65-F5344CB8AC3E}">
-        <p14:creationId xmlns:p14="http://schemas.microsoft.com/office/powerpoint/2010/main" val="2647824207"/>
+        <p14:creationId xmlns:p14="http://schemas.microsoft.com/office/powerpoint/2010/main" val="3178751063"/>
       </p:ext>
     </p:extLst>
   </p:cSld>
@@ -1658,7 +1318,7 @@
             <a:pPr lvl="0"/>
             <a:r>
               <a:rPr lang="en-US" smtClean="0"/>
-              <a:t>Click to edit Master text styles</a:t>
+              <a:t>Edit Master text styles</a:t>
             </a:r>
           </a:p>
           <a:p>
@@ -1709,7 +1369,7 @@
           <a:p>
             <a:fld id="{F0E725F3-5DDC-43C9-9B04-B0DA72289B5F}" type="datetime1">
               <a:rPr lang="en-US" smtClean="0"/>
-              <a:t>6/4/2017</a:t>
+              <a:t>6/5/2017</a:t>
             </a:fld>
             <a:endParaRPr lang="en-US"/>
           </a:p>
@@ -1760,7 +1420,7 @@
     </p:spTree>
     <p:extLst>
       <p:ext uri="{BB962C8B-B14F-4D97-AF65-F5344CB8AC3E}">
-        <p14:creationId xmlns:p14="http://schemas.microsoft.com/office/powerpoint/2010/main" val="2048086189"/>
+        <p14:creationId xmlns:p14="http://schemas.microsoft.com/office/powerpoint/2010/main" val="1449146499"/>
       </p:ext>
     </p:extLst>
   </p:cSld>
@@ -1933,7 +1593,7 @@
             <a:pPr lvl="0"/>
             <a:r>
               <a:rPr lang="en-US" smtClean="0"/>
-              <a:t>Click to edit Master text styles</a:t>
+              <a:t>Edit Master text styles</a:t>
             </a:r>
           </a:p>
         </p:txBody>
@@ -1955,7 +1615,7 @@
           <a:p>
             <a:fld id="{EC13F56B-DA0B-4D08-9588-D2C5E58A8A05}" type="datetime1">
               <a:rPr lang="en-US" smtClean="0"/>
-              <a:t>6/4/2017</a:t>
+              <a:t>6/5/2017</a:t>
             </a:fld>
             <a:endParaRPr lang="en-US"/>
           </a:p>
@@ -2006,7 +1666,7 @@
     </p:spTree>
     <p:extLst>
       <p:ext uri="{BB962C8B-B14F-4D97-AF65-F5344CB8AC3E}">
-        <p14:creationId xmlns:p14="http://schemas.microsoft.com/office/powerpoint/2010/main" val="6184159"/>
+        <p14:creationId xmlns:p14="http://schemas.microsoft.com/office/powerpoint/2010/main" val="3925590744"/>
       </p:ext>
     </p:extLst>
   </p:cSld>
@@ -2079,7 +1739,7 @@
             <a:pPr lvl="0"/>
             <a:r>
               <a:rPr lang="en-US" smtClean="0"/>
-              <a:t>Click to edit Master text styles</a:t>
+              <a:t>Edit Master text styles</a:t>
             </a:r>
           </a:p>
           <a:p>
@@ -2136,7 +1796,7 @@
             <a:pPr lvl="0"/>
             <a:r>
               <a:rPr lang="en-US" smtClean="0"/>
-              <a:t>Click to edit Master text styles</a:t>
+              <a:t>Edit Master text styles</a:t>
             </a:r>
           </a:p>
           <a:p>
@@ -2187,7 +1847,7 @@
           <a:p>
             <a:fld id="{299C329F-D0C2-462C-B78C-73BED02F6B3A}" type="datetime1">
               <a:rPr lang="en-US" smtClean="0"/>
-              <a:t>6/4/2017</a:t>
+              <a:t>6/5/2017</a:t>
             </a:fld>
             <a:endParaRPr lang="en-US"/>
           </a:p>
@@ -2238,7 +1898,7 @@
     </p:spTree>
     <p:extLst>
       <p:ext uri="{BB962C8B-B14F-4D97-AF65-F5344CB8AC3E}">
-        <p14:creationId xmlns:p14="http://schemas.microsoft.com/office/powerpoint/2010/main" val="3324599788"/>
+        <p14:creationId xmlns:p14="http://schemas.microsoft.com/office/powerpoint/2010/main" val="2125476987"/>
       </p:ext>
     </p:extLst>
   </p:cSld>
@@ -2353,7 +2013,7 @@
             <a:pPr lvl="0"/>
             <a:r>
               <a:rPr lang="en-US" smtClean="0"/>
-              <a:t>Click to edit Master text styles</a:t>
+              <a:t>Edit Master text styles</a:t>
             </a:r>
           </a:p>
         </p:txBody>
@@ -2381,7 +2041,7 @@
             <a:pPr lvl="0"/>
             <a:r>
               <a:rPr lang="en-US" smtClean="0"/>
-              <a:t>Click to edit Master text styles</a:t>
+              <a:t>Edit Master text styles</a:t>
             </a:r>
           </a:p>
           <a:p>
@@ -2475,7 +2135,7 @@
             <a:pPr lvl="0"/>
             <a:r>
               <a:rPr lang="en-US" smtClean="0"/>
-              <a:t>Click to edit Master text styles</a:t>
+              <a:t>Edit Master text styles</a:t>
             </a:r>
           </a:p>
         </p:txBody>
@@ -2503,7 +2163,7 @@
             <a:pPr lvl="0"/>
             <a:r>
               <a:rPr lang="en-US" smtClean="0"/>
-              <a:t>Click to edit Master text styles</a:t>
+              <a:t>Edit Master text styles</a:t>
             </a:r>
           </a:p>
           <a:p>
@@ -2554,7 +2214,7 @@
           <a:p>
             <a:fld id="{D9794D81-9A86-4611-8F90-73F29CC9E4B5}" type="datetime1">
               <a:rPr lang="en-US" smtClean="0"/>
-              <a:t>6/4/2017</a:t>
+              <a:t>6/5/2017</a:t>
             </a:fld>
             <a:endParaRPr lang="en-US"/>
           </a:p>
@@ -2605,7 +2265,7 @@
     </p:spTree>
     <p:extLst>
       <p:ext uri="{BB962C8B-B14F-4D97-AF65-F5344CB8AC3E}">
-        <p14:creationId xmlns:p14="http://schemas.microsoft.com/office/powerpoint/2010/main" val="243358455"/>
+        <p14:creationId xmlns:p14="http://schemas.microsoft.com/office/powerpoint/2010/main" val="163219649"/>
       </p:ext>
     </p:extLst>
   </p:cSld>
@@ -2672,7 +2332,7 @@
           <a:p>
             <a:fld id="{D68F34C9-1C3C-47F7-B45B-284099DAC214}" type="datetime1">
               <a:rPr lang="en-US" smtClean="0"/>
-              <a:t>6/4/2017</a:t>
+              <a:t>6/5/2017</a:t>
             </a:fld>
             <a:endParaRPr lang="en-US"/>
           </a:p>
@@ -2723,7 +2383,7 @@
     </p:spTree>
     <p:extLst>
       <p:ext uri="{BB962C8B-B14F-4D97-AF65-F5344CB8AC3E}">
-        <p14:creationId xmlns:p14="http://schemas.microsoft.com/office/powerpoint/2010/main" val="1863306984"/>
+        <p14:creationId xmlns:p14="http://schemas.microsoft.com/office/powerpoint/2010/main" val="1938348602"/>
       </p:ext>
     </p:extLst>
   </p:cSld>
@@ -2767,7 +2427,7 @@
           <a:p>
             <a:fld id="{1967B72D-8EFB-4381-8B1D-B7106AB7E466}" type="datetime1">
               <a:rPr lang="en-US" smtClean="0"/>
-              <a:t>6/4/2017</a:t>
+              <a:t>6/5/2017</a:t>
             </a:fld>
             <a:endParaRPr lang="en-US"/>
           </a:p>
@@ -2818,7 +2478,7 @@
     </p:spTree>
     <p:extLst>
       <p:ext uri="{BB962C8B-B14F-4D97-AF65-F5344CB8AC3E}">
-        <p14:creationId xmlns:p14="http://schemas.microsoft.com/office/powerpoint/2010/main" val="1584948829"/>
+        <p14:creationId xmlns:p14="http://schemas.microsoft.com/office/powerpoint/2010/main" val="2021614471"/>
       </p:ext>
     </p:extLst>
   </p:cSld>
@@ -2928,7 +2588,7 @@
             <a:pPr lvl="0"/>
             <a:r>
               <a:rPr lang="en-US" smtClean="0"/>
-              <a:t>Click to edit Master text styles</a:t>
+              <a:t>Edit Master text styles</a:t>
             </a:r>
           </a:p>
           <a:p>
@@ -3022,7 +2682,7 @@
             <a:pPr lvl="0"/>
             <a:r>
               <a:rPr lang="en-US" smtClean="0"/>
-              <a:t>Click to edit Master text styles</a:t>
+              <a:t>Edit Master text styles</a:t>
             </a:r>
           </a:p>
         </p:txBody>
@@ -3044,7 +2704,7 @@
           <a:p>
             <a:fld id="{5EDFAFED-D5AA-4784-B428-C75142A947D6}" type="datetime1">
               <a:rPr lang="en-US" smtClean="0"/>
-              <a:t>6/4/2017</a:t>
+              <a:t>6/5/2017</a:t>
             </a:fld>
             <a:endParaRPr lang="en-US"/>
           </a:p>
@@ -3095,7 +2755,7 @@
     </p:spTree>
     <p:extLst>
       <p:ext uri="{BB962C8B-B14F-4D97-AF65-F5344CB8AC3E}">
-        <p14:creationId xmlns:p14="http://schemas.microsoft.com/office/powerpoint/2010/main" val="2211316120"/>
+        <p14:creationId xmlns:p14="http://schemas.microsoft.com/office/powerpoint/2010/main" val="463069919"/>
       </p:ext>
     </p:extLst>
   </p:cSld>
@@ -3275,7 +2935,7 @@
             <a:pPr lvl="0"/>
             <a:r>
               <a:rPr lang="en-US" smtClean="0"/>
-              <a:t>Click to edit Master text styles</a:t>
+              <a:t>Edit Master text styles</a:t>
             </a:r>
           </a:p>
         </p:txBody>
@@ -3297,7 +2957,7 @@
           <a:p>
             <a:fld id="{43BCD765-5746-4CF0-A4A3-8D605663D487}" type="datetime1">
               <a:rPr lang="en-US" smtClean="0"/>
-              <a:t>6/4/2017</a:t>
+              <a:t>6/5/2017</a:t>
             </a:fld>
             <a:endParaRPr lang="en-US"/>
           </a:p>
@@ -3348,7 +3008,7 @@
     </p:spTree>
     <p:extLst>
       <p:ext uri="{BB962C8B-B14F-4D97-AF65-F5344CB8AC3E}">
-        <p14:creationId xmlns:p14="http://schemas.microsoft.com/office/powerpoint/2010/main" val="2200688439"/>
+        <p14:creationId xmlns:p14="http://schemas.microsoft.com/office/powerpoint/2010/main" val="685838457"/>
       </p:ext>
     </p:extLst>
   </p:cSld>
@@ -3362,7 +3022,7 @@
 <p:sldMaster xmlns:a="http://schemas.openxmlformats.org/drawingml/2006/main" xmlns:r="http://schemas.openxmlformats.org/officeDocument/2006/relationships" xmlns:p="http://schemas.openxmlformats.org/presentationml/2006/main">
   <p:cSld>
     <p:bg>
-      <p:bgRef idx="1003">
+      <p:bgRef idx="1001">
         <a:schemeClr val="bg1"/>
       </p:bgRef>
     </p:bg>
@@ -3441,7 +3101,7 @@
             <a:pPr lvl="0"/>
             <a:r>
               <a:rPr lang="en-US" smtClean="0"/>
-              <a:t>Click to edit Master text styles</a:t>
+              <a:t>Edit Master text styles</a:t>
             </a:r>
           </a:p>
           <a:p>
@@ -3510,7 +3170,7 @@
           <a:p>
             <a:fld id="{9CCE6136-CE43-4DBF-98E4-9D97BE59DE46}" type="datetime1">
               <a:rPr lang="en-US" smtClean="0"/>
-              <a:t>6/4/2017</a:t>
+              <a:t>6/5/2017</a:t>
             </a:fld>
             <a:endParaRPr lang="en-US"/>
           </a:p>
@@ -3597,23 +3257,23 @@
     </p:spTree>
     <p:extLst>
       <p:ext uri="{BB962C8B-B14F-4D97-AF65-F5344CB8AC3E}">
-        <p14:creationId xmlns:p14="http://schemas.microsoft.com/office/powerpoint/2010/main" val="1770509783"/>
+        <p14:creationId xmlns:p14="http://schemas.microsoft.com/office/powerpoint/2010/main" val="1682383942"/>
       </p:ext>
     </p:extLst>
   </p:cSld>
   <p:clrMap bg1="lt1" tx1="dk1" bg2="lt2" tx2="dk2" accent1="accent1" accent2="accent2" accent3="accent3" accent4="accent4" accent5="accent5" accent6="accent6" hlink="hlink" folHlink="folHlink"/>
   <p:sldLayoutIdLst>
-    <p:sldLayoutId id="2147483649" r:id="rId1"/>
-    <p:sldLayoutId id="2147483650" r:id="rId2"/>
-    <p:sldLayoutId id="2147483651" r:id="rId3"/>
-    <p:sldLayoutId id="2147483652" r:id="rId4"/>
-    <p:sldLayoutId id="2147483653" r:id="rId5"/>
-    <p:sldLayoutId id="2147483654" r:id="rId6"/>
-    <p:sldLayoutId id="2147483655" r:id="rId7"/>
-    <p:sldLayoutId id="2147483656" r:id="rId8"/>
-    <p:sldLayoutId id="2147483657" r:id="rId9"/>
-    <p:sldLayoutId id="2147483658" r:id="rId10"/>
-    <p:sldLayoutId id="2147483659" r:id="rId11"/>
+    <p:sldLayoutId id="2147483661" r:id="rId1"/>
+    <p:sldLayoutId id="2147483662" r:id="rId2"/>
+    <p:sldLayoutId id="2147483663" r:id="rId3"/>
+    <p:sldLayoutId id="2147483664" r:id="rId4"/>
+    <p:sldLayoutId id="2147483665" r:id="rId5"/>
+    <p:sldLayoutId id="2147483666" r:id="rId6"/>
+    <p:sldLayoutId id="2147483667" r:id="rId7"/>
+    <p:sldLayoutId id="2147483668" r:id="rId8"/>
+    <p:sldLayoutId id="2147483669" r:id="rId9"/>
+    <p:sldLayoutId id="2147483670" r:id="rId10"/>
+    <p:sldLayoutId id="2147483671" r:id="rId11"/>
   </p:sldLayoutIdLst>
   <p:hf hdr="0" ftr="0" dt="0"/>
   <p:txStyles>
@@ -4267,16 +3927,25 @@
             <p:ph type="sldNum" sz="quarter" idx="12"/>
           </p:nvPr>
         </p:nvSpPr>
-        <p:spPr/>
+        <p:spPr>
+          <a:xfrm>
+            <a:off x="9306059" y="6438513"/>
+            <a:ext cx="2743200" cy="365125"/>
+          </a:xfrm>
+        </p:spPr>
         <p:txBody>
           <a:bodyPr/>
           <a:lstStyle/>
           <a:p>
             <a:fld id="{27225834-A5F4-4780-A9FC-586FB30F9BB0}" type="slidenum">
-              <a:rPr lang="en-US" smtClean="0"/>
+              <a:rPr lang="en-US" smtClean="0">
+                <a:latin typeface="Garamond" panose="02020404030301010803" pitchFamily="18" charset="0"/>
+              </a:rPr>
               <a:t>2</a:t>
             </a:fld>
-            <a:endParaRPr lang="en-US" dirty="0"/>
+            <a:endParaRPr lang="en-US" dirty="0">
+              <a:latin typeface="Garamond" panose="02020404030301010803" pitchFamily="18" charset="0"/>
+            </a:endParaRPr>
           </a:p>
         </p:txBody>
       </p:sp>
@@ -4288,8 +3957,8 @@
         </p:nvSpPr>
         <p:spPr>
           <a:xfrm>
-            <a:off x="0" y="6352143"/>
-            <a:ext cx="6422592" cy="369332"/>
+            <a:off x="128788" y="6482577"/>
+            <a:ext cx="4201920" cy="276999"/>
           </a:xfrm>
           <a:prstGeom prst="rect">
             <a:avLst/>
@@ -4303,14 +3972,14 @@
           <a:lstStyle/>
           <a:p>
             <a:r>
-              <a:rPr lang="en-US" dirty="0" smtClean="0">
-                <a:latin typeface="Times New Roman" panose="02020603050405020304" pitchFamily="18" charset="0"/>
+              <a:rPr lang="en-US" sz="1200" dirty="0" smtClean="0">
+                <a:latin typeface="Garamond" panose="02020404030301010803" pitchFamily="18" charset="0"/>
                 <a:cs typeface="Times New Roman" panose="02020603050405020304" pitchFamily="18" charset="0"/>
               </a:rPr>
               <a:t>Portland State Aerospace Society | Electric Propellant Feed System</a:t>
             </a:r>
-            <a:endParaRPr lang="en-US" dirty="0">
-              <a:latin typeface="Times New Roman" panose="02020603050405020304" pitchFamily="18" charset="0"/>
+            <a:endParaRPr lang="en-US" sz="1200" dirty="0">
+              <a:latin typeface="Garamond" panose="02020404030301010803" pitchFamily="18" charset="0"/>
               <a:cs typeface="Times New Roman" panose="02020603050405020304" pitchFamily="18" charset="0"/>
             </a:endParaRPr>
           </a:p>
@@ -4320,390 +3989,6 @@
     <p:extLst>
       <p:ext uri="{BB962C8B-B14F-4D97-AF65-F5344CB8AC3E}">
         <p14:creationId xmlns:p14="http://schemas.microsoft.com/office/powerpoint/2010/main" val="1843846498"/>
-      </p:ext>
-    </p:extLst>
-  </p:cSld>
-  <p:clrMapOvr>
-    <a:masterClrMapping/>
-  </p:clrMapOvr>
-  <p:timing>
-    <p:tnLst>
-      <p:par>
-        <p:cTn id="1" dur="indefinite" restart="never" nodeType="tmRoot"/>
-      </p:par>
-    </p:tnLst>
-  </p:timing>
-</p:sld>
-</file>
-
-<file path=ppt/slides/slide3.xml><?xml version="1.0" encoding="utf-8"?>
-<p:sld xmlns:a="http://schemas.openxmlformats.org/drawingml/2006/main" xmlns:r="http://schemas.openxmlformats.org/officeDocument/2006/relationships" xmlns:p="http://schemas.openxmlformats.org/presentationml/2006/main">
-  <p:cSld>
-    <p:spTree>
-      <p:nvGrpSpPr>
-        <p:cNvPr id="1" name=""/>
-        <p:cNvGrpSpPr/>
-        <p:nvPr/>
-      </p:nvGrpSpPr>
-      <p:grpSpPr>
-        <a:xfrm>
-          <a:off x="0" y="0"/>
-          <a:ext cx="0" cy="0"/>
-          <a:chOff x="0" y="0"/>
-          <a:chExt cx="0" cy="0"/>
-        </a:xfrm>
-      </p:grpSpPr>
-      <p:sp>
-        <p:nvSpPr>
-          <p:cNvPr id="4" name="Slide Number Placeholder 3"/>
-          <p:cNvSpPr>
-            <a:spLocks noGrp="1"/>
-          </p:cNvSpPr>
-          <p:nvPr>
-            <p:ph type="sldNum" sz="quarter" idx="12"/>
-          </p:nvPr>
-        </p:nvSpPr>
-        <p:spPr/>
-        <p:txBody>
-          <a:bodyPr/>
-          <a:lstStyle/>
-          <a:p>
-            <a:fld id="{27225834-A5F4-4780-A9FC-586FB30F9BB0}" type="slidenum">
-              <a:rPr lang="en-US" smtClean="0"/>
-              <a:t>3</a:t>
-            </a:fld>
-            <a:endParaRPr lang="en-US" dirty="0"/>
-          </a:p>
-        </p:txBody>
-      </p:sp>
-      <p:sp>
-        <p:nvSpPr>
-          <p:cNvPr id="19" name="TextBox 18"/>
-          <p:cNvSpPr txBox="1"/>
-          <p:nvPr/>
-        </p:nvSpPr>
-        <p:spPr>
-          <a:xfrm>
-            <a:off x="0" y="6352143"/>
-            <a:ext cx="6422592" cy="369332"/>
-          </a:xfrm>
-          <a:prstGeom prst="rect">
-            <a:avLst/>
-          </a:prstGeom>
-          <a:noFill/>
-        </p:spPr>
-        <p:txBody>
-          <a:bodyPr wrap="none" rtlCol="0">
-            <a:spAutoFit/>
-          </a:bodyPr>
-          <a:lstStyle/>
-          <a:p>
-            <a:r>
-              <a:rPr lang="en-US" dirty="0" smtClean="0">
-                <a:latin typeface="Times New Roman" panose="02020603050405020304" pitchFamily="18" charset="0"/>
-                <a:cs typeface="Times New Roman" panose="02020603050405020304" pitchFamily="18" charset="0"/>
-              </a:rPr>
-              <a:t>Portland State Aerospace Society | Electric Propellant Feed System</a:t>
-            </a:r>
-            <a:endParaRPr lang="en-US" dirty="0">
-              <a:latin typeface="Times New Roman" panose="02020603050405020304" pitchFamily="18" charset="0"/>
-              <a:cs typeface="Times New Roman" panose="02020603050405020304" pitchFamily="18" charset="0"/>
-            </a:endParaRPr>
-          </a:p>
-        </p:txBody>
-      </p:sp>
-    </p:spTree>
-    <p:extLst>
-      <p:ext uri="{BB962C8B-B14F-4D97-AF65-F5344CB8AC3E}">
-        <p14:creationId xmlns:p14="http://schemas.microsoft.com/office/powerpoint/2010/main" val="3907113847"/>
-      </p:ext>
-    </p:extLst>
-  </p:cSld>
-  <p:clrMapOvr>
-    <a:masterClrMapping/>
-  </p:clrMapOvr>
-  <p:timing>
-    <p:tnLst>
-      <p:par>
-        <p:cTn id="1" dur="indefinite" restart="never" nodeType="tmRoot"/>
-      </p:par>
-    </p:tnLst>
-  </p:timing>
-</p:sld>
-</file>
-
-<file path=ppt/slides/slide4.xml><?xml version="1.0" encoding="utf-8"?>
-<p:sld xmlns:a="http://schemas.openxmlformats.org/drawingml/2006/main" xmlns:r="http://schemas.openxmlformats.org/officeDocument/2006/relationships" xmlns:p="http://schemas.openxmlformats.org/presentationml/2006/main">
-  <p:cSld>
-    <p:spTree>
-      <p:nvGrpSpPr>
-        <p:cNvPr id="1" name=""/>
-        <p:cNvGrpSpPr/>
-        <p:nvPr/>
-      </p:nvGrpSpPr>
-      <p:grpSpPr>
-        <a:xfrm>
-          <a:off x="0" y="0"/>
-          <a:ext cx="0" cy="0"/>
-          <a:chOff x="0" y="0"/>
-          <a:chExt cx="0" cy="0"/>
-        </a:xfrm>
-      </p:grpSpPr>
-      <p:sp>
-        <p:nvSpPr>
-          <p:cNvPr id="4" name="Slide Number Placeholder 3"/>
-          <p:cNvSpPr>
-            <a:spLocks noGrp="1"/>
-          </p:cNvSpPr>
-          <p:nvPr>
-            <p:ph type="sldNum" sz="quarter" idx="12"/>
-          </p:nvPr>
-        </p:nvSpPr>
-        <p:spPr/>
-        <p:txBody>
-          <a:bodyPr/>
-          <a:lstStyle/>
-          <a:p>
-            <a:fld id="{27225834-A5F4-4780-A9FC-586FB30F9BB0}" type="slidenum">
-              <a:rPr lang="en-US" smtClean="0"/>
-              <a:t>4</a:t>
-            </a:fld>
-            <a:endParaRPr lang="en-US" dirty="0"/>
-          </a:p>
-        </p:txBody>
-      </p:sp>
-      <p:sp>
-        <p:nvSpPr>
-          <p:cNvPr id="19" name="TextBox 18"/>
-          <p:cNvSpPr txBox="1"/>
-          <p:nvPr/>
-        </p:nvSpPr>
-        <p:spPr>
-          <a:xfrm>
-            <a:off x="0" y="6352143"/>
-            <a:ext cx="6422592" cy="369332"/>
-          </a:xfrm>
-          <a:prstGeom prst="rect">
-            <a:avLst/>
-          </a:prstGeom>
-          <a:noFill/>
-        </p:spPr>
-        <p:txBody>
-          <a:bodyPr wrap="none" rtlCol="0">
-            <a:spAutoFit/>
-          </a:bodyPr>
-          <a:lstStyle/>
-          <a:p>
-            <a:r>
-              <a:rPr lang="en-US" dirty="0" smtClean="0">
-                <a:latin typeface="Times New Roman" panose="02020603050405020304" pitchFamily="18" charset="0"/>
-                <a:cs typeface="Times New Roman" panose="02020603050405020304" pitchFamily="18" charset="0"/>
-              </a:rPr>
-              <a:t>Portland State Aerospace Society | Electric Propellant Feed System</a:t>
-            </a:r>
-            <a:endParaRPr lang="en-US" dirty="0">
-              <a:latin typeface="Times New Roman" panose="02020603050405020304" pitchFamily="18" charset="0"/>
-              <a:cs typeface="Times New Roman" panose="02020603050405020304" pitchFamily="18" charset="0"/>
-            </a:endParaRPr>
-          </a:p>
-        </p:txBody>
-      </p:sp>
-    </p:spTree>
-    <p:extLst>
-      <p:ext uri="{BB962C8B-B14F-4D97-AF65-F5344CB8AC3E}">
-        <p14:creationId xmlns:p14="http://schemas.microsoft.com/office/powerpoint/2010/main" val="1587590204"/>
-      </p:ext>
-    </p:extLst>
-  </p:cSld>
-  <p:clrMapOvr>
-    <a:masterClrMapping/>
-  </p:clrMapOvr>
-  <p:timing>
-    <p:tnLst>
-      <p:par>
-        <p:cTn id="1" dur="indefinite" restart="never" nodeType="tmRoot"/>
-      </p:par>
-    </p:tnLst>
-  </p:timing>
-</p:sld>
-</file>
-
-<file path=ppt/slides/slide5.xml><?xml version="1.0" encoding="utf-8"?>
-<p:sld xmlns:a="http://schemas.openxmlformats.org/drawingml/2006/main" xmlns:r="http://schemas.openxmlformats.org/officeDocument/2006/relationships" xmlns:p="http://schemas.openxmlformats.org/presentationml/2006/main">
-  <p:cSld>
-    <p:spTree>
-      <p:nvGrpSpPr>
-        <p:cNvPr id="1" name=""/>
-        <p:cNvGrpSpPr/>
-        <p:nvPr/>
-      </p:nvGrpSpPr>
-      <p:grpSpPr>
-        <a:xfrm>
-          <a:off x="0" y="0"/>
-          <a:ext cx="0" cy="0"/>
-          <a:chOff x="0" y="0"/>
-          <a:chExt cx="0" cy="0"/>
-        </a:xfrm>
-      </p:grpSpPr>
-      <p:sp>
-        <p:nvSpPr>
-          <p:cNvPr id="4" name="Slide Number Placeholder 3"/>
-          <p:cNvSpPr>
-            <a:spLocks noGrp="1"/>
-          </p:cNvSpPr>
-          <p:nvPr>
-            <p:ph type="sldNum" sz="quarter" idx="12"/>
-          </p:nvPr>
-        </p:nvSpPr>
-        <p:spPr/>
-        <p:txBody>
-          <a:bodyPr/>
-          <a:lstStyle/>
-          <a:p>
-            <a:fld id="{27225834-A5F4-4780-A9FC-586FB30F9BB0}" type="slidenum">
-              <a:rPr lang="en-US" smtClean="0"/>
-              <a:t>5</a:t>
-            </a:fld>
-            <a:endParaRPr lang="en-US" dirty="0"/>
-          </a:p>
-        </p:txBody>
-      </p:sp>
-      <p:sp>
-        <p:nvSpPr>
-          <p:cNvPr id="19" name="TextBox 18"/>
-          <p:cNvSpPr txBox="1"/>
-          <p:nvPr/>
-        </p:nvSpPr>
-        <p:spPr>
-          <a:xfrm>
-            <a:off x="0" y="6352143"/>
-            <a:ext cx="6422592" cy="369332"/>
-          </a:xfrm>
-          <a:prstGeom prst="rect">
-            <a:avLst/>
-          </a:prstGeom>
-          <a:noFill/>
-        </p:spPr>
-        <p:txBody>
-          <a:bodyPr wrap="none" rtlCol="0">
-            <a:spAutoFit/>
-          </a:bodyPr>
-          <a:lstStyle/>
-          <a:p>
-            <a:r>
-              <a:rPr lang="en-US" dirty="0" smtClean="0">
-                <a:latin typeface="Times New Roman" panose="02020603050405020304" pitchFamily="18" charset="0"/>
-                <a:cs typeface="Times New Roman" panose="02020603050405020304" pitchFamily="18" charset="0"/>
-              </a:rPr>
-              <a:t>Portland State Aerospace Society | Electric Propellant Feed System</a:t>
-            </a:r>
-            <a:endParaRPr lang="en-US" dirty="0">
-              <a:latin typeface="Times New Roman" panose="02020603050405020304" pitchFamily="18" charset="0"/>
-              <a:cs typeface="Times New Roman" panose="02020603050405020304" pitchFamily="18" charset="0"/>
-            </a:endParaRPr>
-          </a:p>
-        </p:txBody>
-      </p:sp>
-    </p:spTree>
-    <p:extLst>
-      <p:ext uri="{BB962C8B-B14F-4D97-AF65-F5344CB8AC3E}">
-        <p14:creationId xmlns:p14="http://schemas.microsoft.com/office/powerpoint/2010/main" val="1842904921"/>
-      </p:ext>
-    </p:extLst>
-  </p:cSld>
-  <p:clrMapOvr>
-    <a:masterClrMapping/>
-  </p:clrMapOvr>
-  <p:timing>
-    <p:tnLst>
-      <p:par>
-        <p:cTn id="1" dur="indefinite" restart="never" nodeType="tmRoot"/>
-      </p:par>
-    </p:tnLst>
-  </p:timing>
-</p:sld>
-</file>
-
-<file path=ppt/slides/slide6.xml><?xml version="1.0" encoding="utf-8"?>
-<p:sld xmlns:a="http://schemas.openxmlformats.org/drawingml/2006/main" xmlns:r="http://schemas.openxmlformats.org/officeDocument/2006/relationships" xmlns:p="http://schemas.openxmlformats.org/presentationml/2006/main">
-  <p:cSld>
-    <p:spTree>
-      <p:nvGrpSpPr>
-        <p:cNvPr id="1" name=""/>
-        <p:cNvGrpSpPr/>
-        <p:nvPr/>
-      </p:nvGrpSpPr>
-      <p:grpSpPr>
-        <a:xfrm>
-          <a:off x="0" y="0"/>
-          <a:ext cx="0" cy="0"/>
-          <a:chOff x="0" y="0"/>
-          <a:chExt cx="0" cy="0"/>
-        </a:xfrm>
-      </p:grpSpPr>
-      <p:sp>
-        <p:nvSpPr>
-          <p:cNvPr id="4" name="Slide Number Placeholder 3"/>
-          <p:cNvSpPr>
-            <a:spLocks noGrp="1"/>
-          </p:cNvSpPr>
-          <p:nvPr>
-            <p:ph type="sldNum" sz="quarter" idx="12"/>
-          </p:nvPr>
-        </p:nvSpPr>
-        <p:spPr/>
-        <p:txBody>
-          <a:bodyPr/>
-          <a:lstStyle/>
-          <a:p>
-            <a:fld id="{27225834-A5F4-4780-A9FC-586FB30F9BB0}" type="slidenum">
-              <a:rPr lang="en-US" smtClean="0"/>
-              <a:t>6</a:t>
-            </a:fld>
-            <a:endParaRPr lang="en-US" dirty="0"/>
-          </a:p>
-        </p:txBody>
-      </p:sp>
-      <p:sp>
-        <p:nvSpPr>
-          <p:cNvPr id="19" name="TextBox 18"/>
-          <p:cNvSpPr txBox="1"/>
-          <p:nvPr/>
-        </p:nvSpPr>
-        <p:spPr>
-          <a:xfrm>
-            <a:off x="0" y="6352143"/>
-            <a:ext cx="6422592" cy="369332"/>
-          </a:xfrm>
-          <a:prstGeom prst="rect">
-            <a:avLst/>
-          </a:prstGeom>
-          <a:noFill/>
-        </p:spPr>
-        <p:txBody>
-          <a:bodyPr wrap="none" rtlCol="0">
-            <a:spAutoFit/>
-          </a:bodyPr>
-          <a:lstStyle/>
-          <a:p>
-            <a:r>
-              <a:rPr lang="en-US" dirty="0" smtClean="0">
-                <a:latin typeface="Times New Roman" panose="02020603050405020304" pitchFamily="18" charset="0"/>
-                <a:cs typeface="Times New Roman" panose="02020603050405020304" pitchFamily="18" charset="0"/>
-              </a:rPr>
-              <a:t>Portland State Aerospace Society | Electric Propellant Feed System</a:t>
-            </a:r>
-            <a:endParaRPr lang="en-US" dirty="0">
-              <a:latin typeface="Times New Roman" panose="02020603050405020304" pitchFamily="18" charset="0"/>
-              <a:cs typeface="Times New Roman" panose="02020603050405020304" pitchFamily="18" charset="0"/>
-            </a:endParaRPr>
-          </a:p>
-        </p:txBody>
-      </p:sp>
-    </p:spTree>
-    <p:extLst>
-      <p:ext uri="{BB962C8B-B14F-4D97-AF65-F5344CB8AC3E}">
-        <p14:creationId xmlns:p14="http://schemas.microsoft.com/office/powerpoint/2010/main" val="781473123"/>
       </p:ext>
     </p:extLst>
   </p:cSld>
@@ -4766,9 +4051,9 @@
         <a:latin typeface="Calibri Light" panose="020F0302020204030204"/>
         <a:ea typeface=""/>
         <a:cs typeface=""/>
-        <a:font script="Jpan" typeface="ＭＳ Ｐゴシック"/>
+        <a:font script="Jpan" typeface="游ゴシック Light"/>
         <a:font script="Hang" typeface="맑은 고딕"/>
-        <a:font script="Hans" typeface="宋体"/>
+        <a:font script="Hans" typeface="等线 Light"/>
         <a:font script="Hant" typeface="新細明體"/>
         <a:font script="Arab" typeface="Times New Roman"/>
         <a:font script="Hebr" typeface="Times New Roman"/>
@@ -4801,9 +4086,9 @@
         <a:latin typeface="Calibri" panose="020F0502020204030204"/>
         <a:ea typeface=""/>
         <a:cs typeface=""/>
-        <a:font script="Jpan" typeface="ＭＳ Ｐゴシック"/>
+        <a:font script="Jpan" typeface="游ゴシック"/>
         <a:font script="Hang" typeface="맑은 고딕"/>
-        <a:font script="Hans" typeface="宋体"/>
+        <a:font script="Hans" typeface="等线"/>
         <a:font script="Hant" typeface="新細明體"/>
         <a:font script="Arab" typeface="Arial"/>
         <a:font script="Hebr" typeface="Arial"/>

--- a/Docs/Presentations/Slides/Capstone Showcase Active.pptx
+++ b/Docs/Presentations/Slides/Capstone Showcase Active.pptx
@@ -5,14 +5,17 @@
     <p:sldMasterId id="2147483660" r:id="rId1"/>
   </p:sldMasterIdLst>
   <p:notesMasterIdLst>
-    <p:notesMasterId r:id="rId4"/>
+    <p:notesMasterId r:id="rId7"/>
   </p:notesMasterIdLst>
   <p:handoutMasterIdLst>
-    <p:handoutMasterId r:id="rId5"/>
+    <p:handoutMasterId r:id="rId8"/>
   </p:handoutMasterIdLst>
   <p:sldIdLst>
     <p:sldId id="257" r:id="rId2"/>
-    <p:sldId id="256" r:id="rId3"/>
+    <p:sldId id="259" r:id="rId3"/>
+    <p:sldId id="260" r:id="rId4"/>
+    <p:sldId id="258" r:id="rId5"/>
+    <p:sldId id="256" r:id="rId6"/>
   </p:sldIdLst>
   <p:sldSz cx="12192000" cy="6858000"/>
   <p:notesSz cx="6858000" cy="9144000"/>
@@ -201,7 +204,7 @@
           <a:p>
             <a:fld id="{44E562D0-84FD-411E-8C3F-A36A948BC859}" type="datetimeFigureOut">
               <a:rPr lang="en-US" smtClean="0"/>
-              <a:t>6/5/2017</a:t>
+              <a:t>6/6/2017</a:t>
             </a:fld>
             <a:endParaRPr lang="en-US"/>
           </a:p>
@@ -366,7 +369,7 @@
           <a:p>
             <a:fld id="{66175D2C-1B39-43F9-A837-A8832EDEE424}" type="datetimeFigureOut">
               <a:rPr lang="en-US" smtClean="0"/>
-              <a:t>6/5/2017</a:t>
+              <a:t>6/6/2017</a:t>
             </a:fld>
             <a:endParaRPr lang="en-US"/>
           </a:p>
@@ -708,6 +711,258 @@
     </p:spTree>
     <p:extLst>
       <p:ext uri="{BB962C8B-B14F-4D97-AF65-F5344CB8AC3E}">
+        <p14:creationId xmlns:p14="http://schemas.microsoft.com/office/powerpoint/2010/main" val="300738307"/>
+      </p:ext>
+    </p:extLst>
+  </p:cSld>
+  <p:clrMapOvr>
+    <a:masterClrMapping/>
+  </p:clrMapOvr>
+</p:notes>
+</file>
+
+<file path=ppt/notesSlides/notesSlide2.xml><?xml version="1.0" encoding="utf-8"?>
+<p:notes xmlns:a="http://schemas.openxmlformats.org/drawingml/2006/main" xmlns:r="http://schemas.openxmlformats.org/officeDocument/2006/relationships" xmlns:p="http://schemas.openxmlformats.org/presentationml/2006/main">
+  <p:cSld>
+    <p:spTree>
+      <p:nvGrpSpPr>
+        <p:cNvPr id="1" name=""/>
+        <p:cNvGrpSpPr/>
+        <p:nvPr/>
+      </p:nvGrpSpPr>
+      <p:grpSpPr>
+        <a:xfrm>
+          <a:off x="0" y="0"/>
+          <a:ext cx="0" cy="0"/>
+          <a:chOff x="0" y="0"/>
+          <a:chExt cx="0" cy="0"/>
+        </a:xfrm>
+      </p:grpSpPr>
+      <p:sp>
+        <p:nvSpPr>
+          <p:cNvPr id="2" name="Slide Image Placeholder 1"/>
+          <p:cNvSpPr>
+            <a:spLocks noGrp="1" noRot="1" noChangeAspect="1"/>
+          </p:cNvSpPr>
+          <p:nvPr>
+            <p:ph type="sldImg"/>
+          </p:nvPr>
+        </p:nvSpPr>
+        <p:spPr/>
+      </p:sp>
+      <p:sp>
+        <p:nvSpPr>
+          <p:cNvPr id="3" name="Notes Placeholder 2"/>
+          <p:cNvSpPr>
+            <a:spLocks noGrp="1"/>
+          </p:cNvSpPr>
+          <p:nvPr>
+            <p:ph type="body" idx="1"/>
+          </p:nvPr>
+        </p:nvSpPr>
+        <p:spPr/>
+        <p:txBody>
+          <a:bodyPr/>
+          <a:lstStyle/>
+          <a:p>
+            <a:endParaRPr lang="en-US"/>
+          </a:p>
+        </p:txBody>
+      </p:sp>
+      <p:sp>
+        <p:nvSpPr>
+          <p:cNvPr id="4" name="Slide Number Placeholder 3"/>
+          <p:cNvSpPr>
+            <a:spLocks noGrp="1"/>
+          </p:cNvSpPr>
+          <p:nvPr>
+            <p:ph type="sldNum" sz="quarter" idx="10"/>
+          </p:nvPr>
+        </p:nvSpPr>
+        <p:spPr/>
+        <p:txBody>
+          <a:bodyPr/>
+          <a:lstStyle/>
+          <a:p>
+            <a:fld id="{41270EAE-2722-4055-9DC6-0148D79BD176}" type="slidenum">
+              <a:rPr lang="en-US" smtClean="0"/>
+              <a:t>3</a:t>
+            </a:fld>
+            <a:endParaRPr lang="en-US"/>
+          </a:p>
+        </p:txBody>
+      </p:sp>
+    </p:spTree>
+    <p:extLst>
+      <p:ext uri="{BB962C8B-B14F-4D97-AF65-F5344CB8AC3E}">
+        <p14:creationId xmlns:p14="http://schemas.microsoft.com/office/powerpoint/2010/main" val="1684138547"/>
+      </p:ext>
+    </p:extLst>
+  </p:cSld>
+  <p:clrMapOvr>
+    <a:masterClrMapping/>
+  </p:clrMapOvr>
+</p:notes>
+</file>
+
+<file path=ppt/notesSlides/notesSlide3.xml><?xml version="1.0" encoding="utf-8"?>
+<p:notes xmlns:a="http://schemas.openxmlformats.org/drawingml/2006/main" xmlns:r="http://schemas.openxmlformats.org/officeDocument/2006/relationships" xmlns:p="http://schemas.openxmlformats.org/presentationml/2006/main">
+  <p:cSld>
+    <p:spTree>
+      <p:nvGrpSpPr>
+        <p:cNvPr id="1" name=""/>
+        <p:cNvGrpSpPr/>
+        <p:nvPr/>
+      </p:nvGrpSpPr>
+      <p:grpSpPr>
+        <a:xfrm>
+          <a:off x="0" y="0"/>
+          <a:ext cx="0" cy="0"/>
+          <a:chOff x="0" y="0"/>
+          <a:chExt cx="0" cy="0"/>
+        </a:xfrm>
+      </p:grpSpPr>
+      <p:sp>
+        <p:nvSpPr>
+          <p:cNvPr id="2" name="Slide Image Placeholder 1"/>
+          <p:cNvSpPr>
+            <a:spLocks noGrp="1" noRot="1" noChangeAspect="1"/>
+          </p:cNvSpPr>
+          <p:nvPr>
+            <p:ph type="sldImg"/>
+          </p:nvPr>
+        </p:nvSpPr>
+        <p:spPr/>
+      </p:sp>
+      <p:sp>
+        <p:nvSpPr>
+          <p:cNvPr id="3" name="Notes Placeholder 2"/>
+          <p:cNvSpPr>
+            <a:spLocks noGrp="1"/>
+          </p:cNvSpPr>
+          <p:nvPr>
+            <p:ph type="body" idx="1"/>
+          </p:nvPr>
+        </p:nvSpPr>
+        <p:spPr/>
+        <p:txBody>
+          <a:bodyPr/>
+          <a:lstStyle/>
+          <a:p>
+            <a:endParaRPr lang="en-US"/>
+          </a:p>
+        </p:txBody>
+      </p:sp>
+      <p:sp>
+        <p:nvSpPr>
+          <p:cNvPr id="4" name="Slide Number Placeholder 3"/>
+          <p:cNvSpPr>
+            <a:spLocks noGrp="1"/>
+          </p:cNvSpPr>
+          <p:nvPr>
+            <p:ph type="sldNum" sz="quarter" idx="10"/>
+          </p:nvPr>
+        </p:nvSpPr>
+        <p:spPr/>
+        <p:txBody>
+          <a:bodyPr/>
+          <a:lstStyle/>
+          <a:p>
+            <a:fld id="{41270EAE-2722-4055-9DC6-0148D79BD176}" type="slidenum">
+              <a:rPr lang="en-US" smtClean="0"/>
+              <a:t>4</a:t>
+            </a:fld>
+            <a:endParaRPr lang="en-US"/>
+          </a:p>
+        </p:txBody>
+      </p:sp>
+    </p:spTree>
+    <p:extLst>
+      <p:ext uri="{BB962C8B-B14F-4D97-AF65-F5344CB8AC3E}">
+        <p14:creationId xmlns:p14="http://schemas.microsoft.com/office/powerpoint/2010/main" val="3275044138"/>
+      </p:ext>
+    </p:extLst>
+  </p:cSld>
+  <p:clrMapOvr>
+    <a:masterClrMapping/>
+  </p:clrMapOvr>
+</p:notes>
+</file>
+
+<file path=ppt/notesSlides/notesSlide4.xml><?xml version="1.0" encoding="utf-8"?>
+<p:notes xmlns:a="http://schemas.openxmlformats.org/drawingml/2006/main" xmlns:r="http://schemas.openxmlformats.org/officeDocument/2006/relationships" xmlns:p="http://schemas.openxmlformats.org/presentationml/2006/main">
+  <p:cSld>
+    <p:spTree>
+      <p:nvGrpSpPr>
+        <p:cNvPr id="1" name=""/>
+        <p:cNvGrpSpPr/>
+        <p:nvPr/>
+      </p:nvGrpSpPr>
+      <p:grpSpPr>
+        <a:xfrm>
+          <a:off x="0" y="0"/>
+          <a:ext cx="0" cy="0"/>
+          <a:chOff x="0" y="0"/>
+          <a:chExt cx="0" cy="0"/>
+        </a:xfrm>
+      </p:grpSpPr>
+      <p:sp>
+        <p:nvSpPr>
+          <p:cNvPr id="2" name="Slide Image Placeholder 1"/>
+          <p:cNvSpPr>
+            <a:spLocks noGrp="1" noRot="1" noChangeAspect="1"/>
+          </p:cNvSpPr>
+          <p:nvPr>
+            <p:ph type="sldImg"/>
+          </p:nvPr>
+        </p:nvSpPr>
+        <p:spPr/>
+      </p:sp>
+      <p:sp>
+        <p:nvSpPr>
+          <p:cNvPr id="3" name="Notes Placeholder 2"/>
+          <p:cNvSpPr>
+            <a:spLocks noGrp="1"/>
+          </p:cNvSpPr>
+          <p:nvPr>
+            <p:ph type="body" idx="1"/>
+          </p:nvPr>
+        </p:nvSpPr>
+        <p:spPr/>
+        <p:txBody>
+          <a:bodyPr/>
+          <a:lstStyle/>
+          <a:p>
+            <a:endParaRPr lang="en-US"/>
+          </a:p>
+        </p:txBody>
+      </p:sp>
+      <p:sp>
+        <p:nvSpPr>
+          <p:cNvPr id="4" name="Slide Number Placeholder 3"/>
+          <p:cNvSpPr>
+            <a:spLocks noGrp="1"/>
+          </p:cNvSpPr>
+          <p:nvPr>
+            <p:ph type="sldNum" sz="quarter" idx="10"/>
+          </p:nvPr>
+        </p:nvSpPr>
+        <p:spPr/>
+        <p:txBody>
+          <a:bodyPr/>
+          <a:lstStyle/>
+          <a:p>
+            <a:fld id="{41270EAE-2722-4055-9DC6-0148D79BD176}" type="slidenum">
+              <a:rPr lang="en-US" smtClean="0"/>
+              <a:t>5</a:t>
+            </a:fld>
+            <a:endParaRPr lang="en-US"/>
+          </a:p>
+        </p:txBody>
+      </p:sp>
+    </p:spTree>
+    <p:extLst>
+      <p:ext uri="{BB962C8B-B14F-4D97-AF65-F5344CB8AC3E}">
         <p14:creationId xmlns:p14="http://schemas.microsoft.com/office/powerpoint/2010/main" val="474839590"/>
       </p:ext>
     </p:extLst>
@@ -849,7 +1104,7 @@
           <a:p>
             <a:fld id="{A3262095-DDFB-454B-A6DA-90DBA20ABDC0}" type="datetime1">
               <a:rPr lang="en-US" smtClean="0"/>
-              <a:t>6/5/2017</a:t>
+              <a:t>6/6/2017</a:t>
             </a:fld>
             <a:endParaRPr lang="en-US"/>
           </a:p>
@@ -1019,7 +1274,7 @@
           <a:p>
             <a:fld id="{B5E7B701-CC3D-4513-A491-644406E6E0F3}" type="datetime1">
               <a:rPr lang="en-US" smtClean="0"/>
-              <a:t>6/5/2017</a:t>
+              <a:t>6/6/2017</a:t>
             </a:fld>
             <a:endParaRPr lang="en-US"/>
           </a:p>
@@ -1199,7 +1454,7 @@
           <a:p>
             <a:fld id="{06394014-7AF7-469C-99A4-D8404E64CDA7}" type="datetime1">
               <a:rPr lang="en-US" smtClean="0"/>
-              <a:t>6/5/2017</a:t>
+              <a:t>6/6/2017</a:t>
             </a:fld>
             <a:endParaRPr lang="en-US"/>
           </a:p>
@@ -1369,7 +1624,7 @@
           <a:p>
             <a:fld id="{F0E725F3-5DDC-43C9-9B04-B0DA72289B5F}" type="datetime1">
               <a:rPr lang="en-US" smtClean="0"/>
-              <a:t>6/5/2017</a:t>
+              <a:t>6/6/2017</a:t>
             </a:fld>
             <a:endParaRPr lang="en-US"/>
           </a:p>
@@ -1615,7 +1870,7 @@
           <a:p>
             <a:fld id="{EC13F56B-DA0B-4D08-9588-D2C5E58A8A05}" type="datetime1">
               <a:rPr lang="en-US" smtClean="0"/>
-              <a:t>6/5/2017</a:t>
+              <a:t>6/6/2017</a:t>
             </a:fld>
             <a:endParaRPr lang="en-US"/>
           </a:p>
@@ -1847,7 +2102,7 @@
           <a:p>
             <a:fld id="{299C329F-D0C2-462C-B78C-73BED02F6B3A}" type="datetime1">
               <a:rPr lang="en-US" smtClean="0"/>
-              <a:t>6/5/2017</a:t>
+              <a:t>6/6/2017</a:t>
             </a:fld>
             <a:endParaRPr lang="en-US"/>
           </a:p>
@@ -2214,7 +2469,7 @@
           <a:p>
             <a:fld id="{D9794D81-9A86-4611-8F90-73F29CC9E4B5}" type="datetime1">
               <a:rPr lang="en-US" smtClean="0"/>
-              <a:t>6/5/2017</a:t>
+              <a:t>6/6/2017</a:t>
             </a:fld>
             <a:endParaRPr lang="en-US"/>
           </a:p>
@@ -2332,7 +2587,7 @@
           <a:p>
             <a:fld id="{D68F34C9-1C3C-47F7-B45B-284099DAC214}" type="datetime1">
               <a:rPr lang="en-US" smtClean="0"/>
-              <a:t>6/5/2017</a:t>
+              <a:t>6/6/2017</a:t>
             </a:fld>
             <a:endParaRPr lang="en-US"/>
           </a:p>
@@ -2427,7 +2682,7 @@
           <a:p>
             <a:fld id="{1967B72D-8EFB-4381-8B1D-B7106AB7E466}" type="datetime1">
               <a:rPr lang="en-US" smtClean="0"/>
-              <a:t>6/5/2017</a:t>
+              <a:t>6/6/2017</a:t>
             </a:fld>
             <a:endParaRPr lang="en-US"/>
           </a:p>
@@ -2704,7 +2959,7 @@
           <a:p>
             <a:fld id="{5EDFAFED-D5AA-4784-B428-C75142A947D6}" type="datetime1">
               <a:rPr lang="en-US" smtClean="0"/>
-              <a:t>6/5/2017</a:t>
+              <a:t>6/6/2017</a:t>
             </a:fld>
             <a:endParaRPr lang="en-US"/>
           </a:p>
@@ -2957,7 +3212,7 @@
           <a:p>
             <a:fld id="{43BCD765-5746-4CF0-A4A3-8D605663D487}" type="datetime1">
               <a:rPr lang="en-US" smtClean="0"/>
-              <a:t>6/5/2017</a:t>
+              <a:t>6/6/2017</a:t>
             </a:fld>
             <a:endParaRPr lang="en-US"/>
           </a:p>
@@ -3170,7 +3425,7 @@
           <a:p>
             <a:fld id="{9CCE6136-CE43-4DBF-98E4-9D97BE59DE46}" type="datetime1">
               <a:rPr lang="en-US" smtClean="0"/>
-              <a:t>6/5/2017</a:t>
+              <a:t>6/6/2017</a:t>
             </a:fld>
             <a:endParaRPr lang="en-US"/>
           </a:p>
@@ -3942,6 +4197,1548 @@
                 <a:latin typeface="Garamond" panose="02020404030301010803" pitchFamily="18" charset="0"/>
               </a:rPr>
               <a:t>2</a:t>
+            </a:fld>
+            <a:endParaRPr lang="en-US" dirty="0">
+              <a:latin typeface="Garamond" panose="02020404030301010803" pitchFamily="18" charset="0"/>
+            </a:endParaRPr>
+          </a:p>
+        </p:txBody>
+      </p:sp>
+      <p:sp>
+        <p:nvSpPr>
+          <p:cNvPr id="19" name="TextBox 18"/>
+          <p:cNvSpPr txBox="1"/>
+          <p:nvPr/>
+        </p:nvSpPr>
+        <p:spPr>
+          <a:xfrm>
+            <a:off x="128788" y="6482577"/>
+            <a:ext cx="4201920" cy="276999"/>
+          </a:xfrm>
+          <a:prstGeom prst="rect">
+            <a:avLst/>
+          </a:prstGeom>
+          <a:noFill/>
+        </p:spPr>
+        <p:txBody>
+          <a:bodyPr wrap="none" rtlCol="0">
+            <a:spAutoFit/>
+          </a:bodyPr>
+          <a:lstStyle/>
+          <a:p>
+            <a:r>
+              <a:rPr lang="en-US" sz="1200" dirty="0" smtClean="0">
+                <a:latin typeface="Garamond" panose="02020404030301010803" pitchFamily="18" charset="0"/>
+                <a:cs typeface="Times New Roman" panose="02020603050405020304" pitchFamily="18" charset="0"/>
+              </a:rPr>
+              <a:t>Portland State Aerospace Society | Electric Propellant Feed System</a:t>
+            </a:r>
+            <a:endParaRPr lang="en-US" sz="1200" dirty="0">
+              <a:latin typeface="Garamond" panose="02020404030301010803" pitchFamily="18" charset="0"/>
+              <a:cs typeface="Times New Roman" panose="02020603050405020304" pitchFamily="18" charset="0"/>
+            </a:endParaRPr>
+          </a:p>
+        </p:txBody>
+      </p:sp>
+      <p:pic>
+        <p:nvPicPr>
+          <p:cNvPr id="3" name="Picture 2"/>
+          <p:cNvPicPr>
+            <a:picLocks noChangeAspect="1"/>
+          </p:cNvPicPr>
+          <p:nvPr/>
+        </p:nvPicPr>
+        <p:blipFill>
+          <a:blip r:embed="rId3"/>
+          <a:stretch>
+            <a:fillRect/>
+          </a:stretch>
+        </p:blipFill>
+        <p:spPr>
+          <a:xfrm>
+            <a:off x="1442435" y="146198"/>
+            <a:ext cx="8899300" cy="6292315"/>
+          </a:xfrm>
+          <a:prstGeom prst="rect">
+            <a:avLst/>
+          </a:prstGeom>
+        </p:spPr>
+      </p:pic>
+    </p:spTree>
+    <p:extLst>
+      <p:ext uri="{BB962C8B-B14F-4D97-AF65-F5344CB8AC3E}">
+        <p14:creationId xmlns:p14="http://schemas.microsoft.com/office/powerpoint/2010/main" val="1487017851"/>
+      </p:ext>
+    </p:extLst>
+  </p:cSld>
+  <p:clrMapOvr>
+    <a:masterClrMapping/>
+  </p:clrMapOvr>
+  <p:timing>
+    <p:tnLst>
+      <p:par>
+        <p:cTn id="1" dur="indefinite" restart="never" nodeType="tmRoot"/>
+      </p:par>
+    </p:tnLst>
+  </p:timing>
+</p:sld>
+</file>
+
+<file path=ppt/slides/slide3.xml><?xml version="1.0" encoding="utf-8"?>
+<p:sld xmlns:a="http://schemas.openxmlformats.org/drawingml/2006/main" xmlns:r="http://schemas.openxmlformats.org/officeDocument/2006/relationships" xmlns:p="http://schemas.openxmlformats.org/presentationml/2006/main">
+  <p:cSld>
+    <p:spTree>
+      <p:nvGrpSpPr>
+        <p:cNvPr id="1" name=""/>
+        <p:cNvGrpSpPr/>
+        <p:nvPr/>
+      </p:nvGrpSpPr>
+      <p:grpSpPr>
+        <a:xfrm>
+          <a:off x="0" y="0"/>
+          <a:ext cx="0" cy="0"/>
+          <a:chOff x="0" y="0"/>
+          <a:chExt cx="0" cy="0"/>
+        </a:xfrm>
+      </p:grpSpPr>
+      <p:sp>
+        <p:nvSpPr>
+          <p:cNvPr id="4" name="Slide Number Placeholder 3"/>
+          <p:cNvSpPr>
+            <a:spLocks noGrp="1"/>
+          </p:cNvSpPr>
+          <p:nvPr>
+            <p:ph type="sldNum" sz="quarter" idx="12"/>
+          </p:nvPr>
+        </p:nvSpPr>
+        <p:spPr>
+          <a:xfrm>
+            <a:off x="9306059" y="6438513"/>
+            <a:ext cx="2743200" cy="365125"/>
+          </a:xfrm>
+        </p:spPr>
+        <p:txBody>
+          <a:bodyPr/>
+          <a:lstStyle/>
+          <a:p>
+            <a:fld id="{27225834-A5F4-4780-A9FC-586FB30F9BB0}" type="slidenum">
+              <a:rPr lang="en-US" smtClean="0">
+                <a:latin typeface="Garamond" panose="02020404030301010803" pitchFamily="18" charset="0"/>
+              </a:rPr>
+              <a:t>3</a:t>
+            </a:fld>
+            <a:endParaRPr lang="en-US" dirty="0">
+              <a:latin typeface="Garamond" panose="02020404030301010803" pitchFamily="18" charset="0"/>
+            </a:endParaRPr>
+          </a:p>
+        </p:txBody>
+      </p:sp>
+      <p:pic>
+        <p:nvPicPr>
+          <p:cNvPr id="6" name="Picture 5"/>
+          <p:cNvPicPr>
+            <a:picLocks noChangeAspect="1"/>
+          </p:cNvPicPr>
+          <p:nvPr/>
+        </p:nvPicPr>
+        <p:blipFill>
+          <a:blip r:embed="rId3"/>
+          <a:stretch>
+            <a:fillRect/>
+          </a:stretch>
+        </p:blipFill>
+        <p:spPr>
+          <a:xfrm>
+            <a:off x="4545134" y="2642043"/>
+            <a:ext cx="2874993" cy="391615"/>
+          </a:xfrm>
+          <a:prstGeom prst="rect">
+            <a:avLst/>
+          </a:prstGeom>
+        </p:spPr>
+      </p:pic>
+      <p:pic>
+        <p:nvPicPr>
+          <p:cNvPr id="7" name="Picture 6"/>
+          <p:cNvPicPr>
+            <a:picLocks noChangeAspect="1"/>
+          </p:cNvPicPr>
+          <p:nvPr/>
+        </p:nvPicPr>
+        <p:blipFill>
+          <a:blip r:embed="rId4"/>
+          <a:stretch>
+            <a:fillRect/>
+          </a:stretch>
+        </p:blipFill>
+        <p:spPr>
+          <a:xfrm>
+            <a:off x="4483412" y="1222725"/>
+            <a:ext cx="2955034" cy="554070"/>
+          </a:xfrm>
+          <a:prstGeom prst="rect">
+            <a:avLst/>
+          </a:prstGeom>
+        </p:spPr>
+      </p:pic>
+      <p:pic>
+        <p:nvPicPr>
+          <p:cNvPr id="9" name="Picture 8"/>
+          <p:cNvPicPr>
+            <a:picLocks noChangeAspect="1"/>
+          </p:cNvPicPr>
+          <p:nvPr/>
+        </p:nvPicPr>
+        <p:blipFill>
+          <a:blip r:embed="rId5"/>
+          <a:stretch>
+            <a:fillRect/>
+          </a:stretch>
+        </p:blipFill>
+        <p:spPr>
+          <a:xfrm rot="5400000">
+            <a:off x="5930858" y="3789454"/>
+            <a:ext cx="2090985" cy="450808"/>
+          </a:xfrm>
+          <a:prstGeom prst="rect">
+            <a:avLst/>
+          </a:prstGeom>
+        </p:spPr>
+      </p:pic>
+      <p:pic>
+        <p:nvPicPr>
+          <p:cNvPr id="11" name="Picture 10"/>
+          <p:cNvPicPr>
+            <a:picLocks noChangeAspect="1"/>
+          </p:cNvPicPr>
+          <p:nvPr/>
+        </p:nvPicPr>
+        <p:blipFill>
+          <a:blip r:embed="rId6"/>
+          <a:stretch>
+            <a:fillRect/>
+          </a:stretch>
+        </p:blipFill>
+        <p:spPr>
+          <a:xfrm>
+            <a:off x="4473709" y="3112343"/>
+            <a:ext cx="1762784" cy="536643"/>
+          </a:xfrm>
+          <a:prstGeom prst="rect">
+            <a:avLst/>
+          </a:prstGeom>
+        </p:spPr>
+      </p:pic>
+      <p:pic>
+        <p:nvPicPr>
+          <p:cNvPr id="12" name="Picture 11"/>
+          <p:cNvPicPr>
+            <a:picLocks noChangeAspect="1"/>
+          </p:cNvPicPr>
+          <p:nvPr/>
+        </p:nvPicPr>
+        <p:blipFill>
+          <a:blip r:embed="rId7"/>
+          <a:stretch>
+            <a:fillRect/>
+          </a:stretch>
+        </p:blipFill>
+        <p:spPr>
+          <a:xfrm rot="8423804">
+            <a:off x="5997186" y="1747906"/>
+            <a:ext cx="743843" cy="379669"/>
+          </a:xfrm>
+          <a:prstGeom prst="rect">
+            <a:avLst/>
+          </a:prstGeom>
+        </p:spPr>
+      </p:pic>
+      <p:pic>
+        <p:nvPicPr>
+          <p:cNvPr id="15" name="Picture 14"/>
+          <p:cNvPicPr>
+            <a:picLocks noChangeAspect="1"/>
+          </p:cNvPicPr>
+          <p:nvPr/>
+        </p:nvPicPr>
+        <p:blipFill>
+          <a:blip r:embed="rId8"/>
+          <a:stretch>
+            <a:fillRect/>
+          </a:stretch>
+        </p:blipFill>
+        <p:spPr>
+          <a:xfrm>
+            <a:off x="4479663" y="1653349"/>
+            <a:ext cx="1640889" cy="412678"/>
+          </a:xfrm>
+          <a:prstGeom prst="rect">
+            <a:avLst/>
+          </a:prstGeom>
+        </p:spPr>
+      </p:pic>
+      <p:pic>
+        <p:nvPicPr>
+          <p:cNvPr id="16" name="Picture 15"/>
+          <p:cNvPicPr>
+            <a:picLocks noChangeAspect="1"/>
+          </p:cNvPicPr>
+          <p:nvPr/>
+        </p:nvPicPr>
+        <p:blipFill>
+          <a:blip r:embed="rId9"/>
+          <a:stretch>
+            <a:fillRect/>
+          </a:stretch>
+        </p:blipFill>
+        <p:spPr>
+          <a:xfrm>
+            <a:off x="4588700" y="2074224"/>
+            <a:ext cx="1225102" cy="385590"/>
+          </a:xfrm>
+          <a:prstGeom prst="rect">
+            <a:avLst/>
+          </a:prstGeom>
+        </p:spPr>
+      </p:pic>
+      <p:pic>
+        <p:nvPicPr>
+          <p:cNvPr id="14" name="Picture 13"/>
+          <p:cNvPicPr>
+            <a:picLocks noChangeAspect="1"/>
+          </p:cNvPicPr>
+          <p:nvPr/>
+        </p:nvPicPr>
+        <p:blipFill>
+          <a:blip r:embed="rId10"/>
+          <a:stretch>
+            <a:fillRect/>
+          </a:stretch>
+        </p:blipFill>
+        <p:spPr>
+          <a:xfrm>
+            <a:off x="6017353" y="4039783"/>
+            <a:ext cx="1309131" cy="456879"/>
+          </a:xfrm>
+          <a:prstGeom prst="rect">
+            <a:avLst/>
+          </a:prstGeom>
+        </p:spPr>
+      </p:pic>
+      <p:pic>
+        <p:nvPicPr>
+          <p:cNvPr id="17" name="Picture 16"/>
+          <p:cNvPicPr>
+            <a:picLocks noChangeAspect="1"/>
+          </p:cNvPicPr>
+          <p:nvPr/>
+        </p:nvPicPr>
+        <p:blipFill>
+          <a:blip r:embed="rId11"/>
+          <a:stretch>
+            <a:fillRect/>
+          </a:stretch>
+        </p:blipFill>
+        <p:spPr>
+          <a:xfrm>
+            <a:off x="5413244" y="4945681"/>
+            <a:ext cx="1551234" cy="593683"/>
+          </a:xfrm>
+          <a:prstGeom prst="rect">
+            <a:avLst/>
+          </a:prstGeom>
+        </p:spPr>
+      </p:pic>
+      <p:pic>
+        <p:nvPicPr>
+          <p:cNvPr id="18" name="Picture 17"/>
+          <p:cNvPicPr>
+            <a:picLocks noChangeAspect="1"/>
+          </p:cNvPicPr>
+          <p:nvPr/>
+        </p:nvPicPr>
+        <p:blipFill>
+          <a:blip r:embed="rId12"/>
+          <a:stretch>
+            <a:fillRect/>
+          </a:stretch>
+        </p:blipFill>
+        <p:spPr>
+          <a:xfrm rot="19439869">
+            <a:off x="4670634" y="4478339"/>
+            <a:ext cx="1396631" cy="1105160"/>
+          </a:xfrm>
+          <a:prstGeom prst="rect">
+            <a:avLst/>
+          </a:prstGeom>
+        </p:spPr>
+      </p:pic>
+      <p:pic>
+        <p:nvPicPr>
+          <p:cNvPr id="20" name="Picture 19"/>
+          <p:cNvPicPr>
+            <a:picLocks noChangeAspect="1"/>
+          </p:cNvPicPr>
+          <p:nvPr/>
+        </p:nvPicPr>
+        <p:blipFill>
+          <a:blip r:embed="rId13"/>
+          <a:stretch>
+            <a:fillRect/>
+          </a:stretch>
+        </p:blipFill>
+        <p:spPr>
+          <a:xfrm>
+            <a:off x="6098398" y="3097733"/>
+            <a:ext cx="645187" cy="412203"/>
+          </a:xfrm>
+          <a:prstGeom prst="rect">
+            <a:avLst/>
+          </a:prstGeom>
+        </p:spPr>
+      </p:pic>
+      <p:pic>
+        <p:nvPicPr>
+          <p:cNvPr id="21" name="Picture 20"/>
+          <p:cNvPicPr>
+            <a:picLocks noChangeAspect="1"/>
+          </p:cNvPicPr>
+          <p:nvPr/>
+        </p:nvPicPr>
+        <p:blipFill>
+          <a:blip r:embed="rId14"/>
+          <a:stretch>
+            <a:fillRect/>
+          </a:stretch>
+        </p:blipFill>
+        <p:spPr>
+          <a:xfrm rot="221686">
+            <a:off x="4542966" y="5379507"/>
+            <a:ext cx="2858156" cy="479064"/>
+          </a:xfrm>
+          <a:prstGeom prst="rect">
+            <a:avLst/>
+          </a:prstGeom>
+        </p:spPr>
+      </p:pic>
+      <p:pic>
+        <p:nvPicPr>
+          <p:cNvPr id="22" name="Picture 21"/>
+          <p:cNvPicPr>
+            <a:picLocks noChangeAspect="1"/>
+          </p:cNvPicPr>
+          <p:nvPr/>
+        </p:nvPicPr>
+        <p:blipFill>
+          <a:blip r:embed="rId13"/>
+          <a:stretch>
+            <a:fillRect/>
+          </a:stretch>
+        </p:blipFill>
+        <p:spPr>
+          <a:xfrm rot="8918386">
+            <a:off x="5415233" y="4454787"/>
+            <a:ext cx="645187" cy="412203"/>
+          </a:xfrm>
+          <a:prstGeom prst="rect">
+            <a:avLst/>
+          </a:prstGeom>
+        </p:spPr>
+      </p:pic>
+      <p:pic>
+        <p:nvPicPr>
+          <p:cNvPr id="23" name="Picture 22"/>
+          <p:cNvPicPr>
+            <a:picLocks noChangeAspect="1"/>
+          </p:cNvPicPr>
+          <p:nvPr/>
+        </p:nvPicPr>
+        <p:blipFill>
+          <a:blip r:embed="rId4"/>
+          <a:stretch>
+            <a:fillRect/>
+          </a:stretch>
+        </p:blipFill>
+        <p:spPr>
+          <a:xfrm>
+            <a:off x="4545134" y="5778671"/>
+            <a:ext cx="2915013" cy="659841"/>
+          </a:xfrm>
+          <a:prstGeom prst="rect">
+            <a:avLst/>
+          </a:prstGeom>
+        </p:spPr>
+      </p:pic>
+      <p:pic>
+        <p:nvPicPr>
+          <p:cNvPr id="24" name="Picture 23"/>
+          <p:cNvPicPr>
+            <a:picLocks noChangeAspect="1"/>
+          </p:cNvPicPr>
+          <p:nvPr/>
+        </p:nvPicPr>
+        <p:blipFill>
+          <a:blip r:embed="rId8"/>
+          <a:stretch>
+            <a:fillRect/>
+          </a:stretch>
+        </p:blipFill>
+        <p:spPr>
+          <a:xfrm rot="8556920">
+            <a:off x="4394738" y="3961434"/>
+            <a:ext cx="928239" cy="233451"/>
+          </a:xfrm>
+          <a:prstGeom prst="rect">
+            <a:avLst/>
+          </a:prstGeom>
+        </p:spPr>
+      </p:pic>
+      <p:pic>
+        <p:nvPicPr>
+          <p:cNvPr id="25" name="Picture 24"/>
+          <p:cNvPicPr>
+            <a:picLocks noChangeAspect="1"/>
+          </p:cNvPicPr>
+          <p:nvPr/>
+        </p:nvPicPr>
+        <p:blipFill>
+          <a:blip r:embed="rId15"/>
+          <a:stretch>
+            <a:fillRect/>
+          </a:stretch>
+        </p:blipFill>
+        <p:spPr>
+          <a:xfrm>
+            <a:off x="9123679" y="3956089"/>
+            <a:ext cx="2774335" cy="1495892"/>
+          </a:xfrm>
+          <a:prstGeom prst="rect">
+            <a:avLst/>
+          </a:prstGeom>
+        </p:spPr>
+      </p:pic>
+      <p:pic>
+        <p:nvPicPr>
+          <p:cNvPr id="26" name="Picture 25"/>
+          <p:cNvPicPr>
+            <a:picLocks noChangeAspect="1"/>
+          </p:cNvPicPr>
+          <p:nvPr/>
+        </p:nvPicPr>
+        <p:blipFill>
+          <a:blip r:embed="rId16"/>
+          <a:stretch>
+            <a:fillRect/>
+          </a:stretch>
+        </p:blipFill>
+        <p:spPr>
+          <a:xfrm>
+            <a:off x="9123678" y="2779392"/>
+            <a:ext cx="2834087" cy="1090849"/>
+          </a:xfrm>
+          <a:prstGeom prst="rect">
+            <a:avLst/>
+          </a:prstGeom>
+        </p:spPr>
+      </p:pic>
+      <p:pic>
+        <p:nvPicPr>
+          <p:cNvPr id="27" name="Picture 26"/>
+          <p:cNvPicPr>
+            <a:picLocks noChangeAspect="1"/>
+          </p:cNvPicPr>
+          <p:nvPr/>
+        </p:nvPicPr>
+        <p:blipFill>
+          <a:blip r:embed="rId17"/>
+          <a:stretch>
+            <a:fillRect/>
+          </a:stretch>
+        </p:blipFill>
+        <p:spPr>
+          <a:xfrm>
+            <a:off x="9113116" y="1278245"/>
+            <a:ext cx="2784898" cy="1346034"/>
+          </a:xfrm>
+          <a:prstGeom prst="rect">
+            <a:avLst/>
+          </a:prstGeom>
+        </p:spPr>
+      </p:pic>
+      <p:sp>
+        <p:nvSpPr>
+          <p:cNvPr id="37" name="TextBox 36"/>
+          <p:cNvSpPr txBox="1"/>
+          <p:nvPr/>
+        </p:nvSpPr>
+        <p:spPr>
+          <a:xfrm>
+            <a:off x="452980" y="225567"/>
+            <a:ext cx="2923711" cy="830997"/>
+          </a:xfrm>
+          <a:prstGeom prst="rect">
+            <a:avLst/>
+          </a:prstGeom>
+          <a:noFill/>
+        </p:spPr>
+        <p:txBody>
+          <a:bodyPr wrap="square" rtlCol="0">
+            <a:spAutoFit/>
+          </a:bodyPr>
+          <a:lstStyle/>
+          <a:p>
+            <a:r>
+              <a:rPr lang="en-US" sz="2400" b="1" dirty="0" smtClean="0">
+                <a:solidFill>
+                  <a:srgbClr val="C00000"/>
+                </a:solidFill>
+                <a:latin typeface="Garamond" panose="02020404030301010803" pitchFamily="18" charset="0"/>
+              </a:rPr>
+              <a:t>Open-ended literature review</a:t>
+            </a:r>
+            <a:endParaRPr lang="en-US" sz="2400" b="1" dirty="0">
+              <a:solidFill>
+                <a:srgbClr val="C00000"/>
+              </a:solidFill>
+              <a:latin typeface="Garamond" panose="02020404030301010803" pitchFamily="18" charset="0"/>
+            </a:endParaRPr>
+          </a:p>
+        </p:txBody>
+      </p:sp>
+      <p:pic>
+        <p:nvPicPr>
+          <p:cNvPr id="13" name="Picture 12"/>
+          <p:cNvPicPr>
+            <a:picLocks noChangeAspect="1"/>
+          </p:cNvPicPr>
+          <p:nvPr/>
+        </p:nvPicPr>
+        <p:blipFill>
+          <a:blip r:embed="rId14"/>
+          <a:stretch>
+            <a:fillRect/>
+          </a:stretch>
+        </p:blipFill>
+        <p:spPr>
+          <a:xfrm rot="972278">
+            <a:off x="4524372" y="4659442"/>
+            <a:ext cx="2741669" cy="507445"/>
+          </a:xfrm>
+          <a:prstGeom prst="rect">
+            <a:avLst/>
+          </a:prstGeom>
+        </p:spPr>
+      </p:pic>
+      <p:pic>
+        <p:nvPicPr>
+          <p:cNvPr id="5" name="Picture 4"/>
+          <p:cNvPicPr>
+            <a:picLocks noChangeAspect="1"/>
+          </p:cNvPicPr>
+          <p:nvPr/>
+        </p:nvPicPr>
+        <p:blipFill>
+          <a:blip r:embed="rId9"/>
+          <a:stretch>
+            <a:fillRect/>
+          </a:stretch>
+        </p:blipFill>
+        <p:spPr>
+          <a:xfrm>
+            <a:off x="4945152" y="3522306"/>
+            <a:ext cx="1726766" cy="543484"/>
+          </a:xfrm>
+          <a:prstGeom prst="rect">
+            <a:avLst/>
+          </a:prstGeom>
+        </p:spPr>
+      </p:pic>
+      <p:pic>
+        <p:nvPicPr>
+          <p:cNvPr id="2" name="Picture 1"/>
+          <p:cNvPicPr>
+            <a:picLocks noChangeAspect="1"/>
+          </p:cNvPicPr>
+          <p:nvPr/>
+        </p:nvPicPr>
+        <p:blipFill>
+          <a:blip r:embed="rId18"/>
+          <a:stretch>
+            <a:fillRect/>
+          </a:stretch>
+        </p:blipFill>
+        <p:spPr>
+          <a:xfrm rot="19969950">
+            <a:off x="6283774" y="1916521"/>
+            <a:ext cx="1058946" cy="328786"/>
+          </a:xfrm>
+          <a:prstGeom prst="rect">
+            <a:avLst/>
+          </a:prstGeom>
+        </p:spPr>
+      </p:pic>
+      <p:pic>
+        <p:nvPicPr>
+          <p:cNvPr id="8" name="Picture 7"/>
+          <p:cNvPicPr>
+            <a:picLocks noChangeAspect="1"/>
+          </p:cNvPicPr>
+          <p:nvPr/>
+        </p:nvPicPr>
+        <p:blipFill>
+          <a:blip r:embed="rId8"/>
+          <a:stretch>
+            <a:fillRect/>
+          </a:stretch>
+        </p:blipFill>
+        <p:spPr>
+          <a:xfrm>
+            <a:off x="5509871" y="2371109"/>
+            <a:ext cx="1395940" cy="351074"/>
+          </a:xfrm>
+          <a:prstGeom prst="rect">
+            <a:avLst/>
+          </a:prstGeom>
+        </p:spPr>
+      </p:pic>
+      <p:pic>
+        <p:nvPicPr>
+          <p:cNvPr id="40" name="Picture 39"/>
+          <p:cNvPicPr>
+            <a:picLocks noChangeAspect="1"/>
+          </p:cNvPicPr>
+          <p:nvPr/>
+        </p:nvPicPr>
+        <p:blipFill>
+          <a:blip r:embed="rId19"/>
+          <a:stretch>
+            <a:fillRect/>
+          </a:stretch>
+        </p:blipFill>
+        <p:spPr>
+          <a:xfrm>
+            <a:off x="173595" y="1284109"/>
+            <a:ext cx="3007597" cy="1334306"/>
+          </a:xfrm>
+          <a:prstGeom prst="rect">
+            <a:avLst/>
+          </a:prstGeom>
+        </p:spPr>
+      </p:pic>
+      <p:pic>
+        <p:nvPicPr>
+          <p:cNvPr id="41" name="Picture 40"/>
+          <p:cNvPicPr>
+            <a:picLocks noChangeAspect="1"/>
+          </p:cNvPicPr>
+          <p:nvPr/>
+        </p:nvPicPr>
+        <p:blipFill>
+          <a:blip r:embed="rId20"/>
+          <a:stretch>
+            <a:fillRect/>
+          </a:stretch>
+        </p:blipFill>
+        <p:spPr>
+          <a:xfrm>
+            <a:off x="210142" y="3935532"/>
+            <a:ext cx="3058136" cy="1201020"/>
+          </a:xfrm>
+          <a:prstGeom prst="rect">
+            <a:avLst/>
+          </a:prstGeom>
+        </p:spPr>
+      </p:pic>
+      <p:pic>
+        <p:nvPicPr>
+          <p:cNvPr id="42" name="Picture 41"/>
+          <p:cNvPicPr>
+            <a:picLocks noChangeAspect="1"/>
+          </p:cNvPicPr>
+          <p:nvPr/>
+        </p:nvPicPr>
+        <p:blipFill>
+          <a:blip r:embed="rId21"/>
+          <a:stretch>
+            <a:fillRect/>
+          </a:stretch>
+        </p:blipFill>
+        <p:spPr>
+          <a:xfrm>
+            <a:off x="205453" y="2649906"/>
+            <a:ext cx="3015578" cy="419100"/>
+          </a:xfrm>
+          <a:prstGeom prst="rect">
+            <a:avLst/>
+          </a:prstGeom>
+        </p:spPr>
+      </p:pic>
+      <p:pic>
+        <p:nvPicPr>
+          <p:cNvPr id="43" name="Picture 42"/>
+          <p:cNvPicPr>
+            <a:picLocks noChangeAspect="1"/>
+          </p:cNvPicPr>
+          <p:nvPr/>
+        </p:nvPicPr>
+        <p:blipFill>
+          <a:blip r:embed="rId22"/>
+          <a:stretch>
+            <a:fillRect/>
+          </a:stretch>
+        </p:blipFill>
+        <p:spPr>
+          <a:xfrm>
+            <a:off x="137059" y="3125907"/>
+            <a:ext cx="2619375" cy="809625"/>
+          </a:xfrm>
+          <a:prstGeom prst="rect">
+            <a:avLst/>
+          </a:prstGeom>
+        </p:spPr>
+      </p:pic>
+      <p:pic>
+        <p:nvPicPr>
+          <p:cNvPr id="44" name="Picture 43"/>
+          <p:cNvPicPr>
+            <a:picLocks noChangeAspect="1"/>
+          </p:cNvPicPr>
+          <p:nvPr/>
+        </p:nvPicPr>
+        <p:blipFill>
+          <a:blip r:embed="rId23"/>
+          <a:stretch>
+            <a:fillRect/>
+          </a:stretch>
+        </p:blipFill>
+        <p:spPr>
+          <a:xfrm>
+            <a:off x="127371" y="5242523"/>
+            <a:ext cx="3093660" cy="1072566"/>
+          </a:xfrm>
+          <a:prstGeom prst="rect">
+            <a:avLst/>
+          </a:prstGeom>
+        </p:spPr>
+      </p:pic>
+      <p:pic>
+        <p:nvPicPr>
+          <p:cNvPr id="45" name="Picture 44"/>
+          <p:cNvPicPr>
+            <a:picLocks noChangeAspect="1"/>
+          </p:cNvPicPr>
+          <p:nvPr/>
+        </p:nvPicPr>
+        <p:blipFill>
+          <a:blip r:embed="rId24"/>
+          <a:stretch>
+            <a:fillRect/>
+          </a:stretch>
+        </p:blipFill>
+        <p:spPr>
+          <a:xfrm>
+            <a:off x="10553700" y="5520203"/>
+            <a:ext cx="1344314" cy="792650"/>
+          </a:xfrm>
+          <a:prstGeom prst="rect">
+            <a:avLst/>
+          </a:prstGeom>
+        </p:spPr>
+      </p:pic>
+      <p:pic>
+        <p:nvPicPr>
+          <p:cNvPr id="46" name="Picture 45"/>
+          <p:cNvPicPr>
+            <a:picLocks noChangeAspect="1"/>
+          </p:cNvPicPr>
+          <p:nvPr/>
+        </p:nvPicPr>
+        <p:blipFill>
+          <a:blip r:embed="rId25"/>
+          <a:stretch>
+            <a:fillRect/>
+          </a:stretch>
+        </p:blipFill>
+        <p:spPr>
+          <a:xfrm>
+            <a:off x="9146517" y="5520202"/>
+            <a:ext cx="1255633" cy="792651"/>
+          </a:xfrm>
+          <a:prstGeom prst="rect">
+            <a:avLst/>
+          </a:prstGeom>
+        </p:spPr>
+      </p:pic>
+      <p:sp>
+        <p:nvSpPr>
+          <p:cNvPr id="47" name="TextBox 46"/>
+          <p:cNvSpPr txBox="1"/>
+          <p:nvPr/>
+        </p:nvSpPr>
+        <p:spPr>
+          <a:xfrm>
+            <a:off x="4873648" y="225567"/>
+            <a:ext cx="3094685" cy="461665"/>
+          </a:xfrm>
+          <a:prstGeom prst="rect">
+            <a:avLst/>
+          </a:prstGeom>
+          <a:noFill/>
+        </p:spPr>
+        <p:txBody>
+          <a:bodyPr wrap="square" rtlCol="0">
+            <a:spAutoFit/>
+          </a:bodyPr>
+          <a:lstStyle/>
+          <a:p>
+            <a:r>
+              <a:rPr lang="en-US" sz="2400" b="1" dirty="0" smtClean="0">
+                <a:solidFill>
+                  <a:srgbClr val="C00000"/>
+                </a:solidFill>
+                <a:latin typeface="Garamond" panose="02020404030301010803" pitchFamily="18" charset="0"/>
+              </a:rPr>
+              <a:t>Puzzle break</a:t>
+            </a:r>
+            <a:endParaRPr lang="en-US" sz="2400" b="1" dirty="0">
+              <a:solidFill>
+                <a:srgbClr val="C00000"/>
+              </a:solidFill>
+              <a:latin typeface="Garamond" panose="02020404030301010803" pitchFamily="18" charset="0"/>
+            </a:endParaRPr>
+          </a:p>
+        </p:txBody>
+      </p:sp>
+      <p:sp>
+        <p:nvSpPr>
+          <p:cNvPr id="48" name="TextBox 47"/>
+          <p:cNvSpPr txBox="1"/>
+          <p:nvPr/>
+        </p:nvSpPr>
+        <p:spPr>
+          <a:xfrm>
+            <a:off x="9078865" y="226999"/>
+            <a:ext cx="2923711" cy="461665"/>
+          </a:xfrm>
+          <a:prstGeom prst="rect">
+            <a:avLst/>
+          </a:prstGeom>
+          <a:noFill/>
+        </p:spPr>
+        <p:txBody>
+          <a:bodyPr wrap="square" rtlCol="0">
+            <a:spAutoFit/>
+          </a:bodyPr>
+          <a:lstStyle/>
+          <a:p>
+            <a:r>
+              <a:rPr lang="en-US" sz="2400" b="1" dirty="0" smtClean="0">
+                <a:solidFill>
+                  <a:srgbClr val="C00000"/>
+                </a:solidFill>
+                <a:latin typeface="Garamond" panose="02020404030301010803" pitchFamily="18" charset="0"/>
+              </a:rPr>
+              <a:t>Scientific computing</a:t>
+            </a:r>
+          </a:p>
+        </p:txBody>
+      </p:sp>
+      <p:sp>
+        <p:nvSpPr>
+          <p:cNvPr id="49" name="Oval 48"/>
+          <p:cNvSpPr/>
+          <p:nvPr/>
+        </p:nvSpPr>
+        <p:spPr>
+          <a:xfrm>
+            <a:off x="8982447" y="3828989"/>
+            <a:ext cx="2915567" cy="1691214"/>
+          </a:xfrm>
+          <a:prstGeom prst="ellipse">
+            <a:avLst/>
+          </a:prstGeom>
+          <a:noFill/>
+          <a:ln w="57150">
+            <a:solidFill>
+              <a:srgbClr val="C00000">
+                <a:alpha val="63000"/>
+              </a:srgbClr>
+            </a:solidFill>
+          </a:ln>
+        </p:spPr>
+        <p:style>
+          <a:lnRef idx="2">
+            <a:schemeClr val="accent1">
+              <a:shade val="50000"/>
+            </a:schemeClr>
+          </a:lnRef>
+          <a:fillRef idx="1">
+            <a:schemeClr val="accent1"/>
+          </a:fillRef>
+          <a:effectRef idx="0">
+            <a:schemeClr val="accent1"/>
+          </a:effectRef>
+          <a:fontRef idx="minor">
+            <a:schemeClr val="lt1"/>
+          </a:fontRef>
+        </p:style>
+        <p:txBody>
+          <a:bodyPr rtlCol="0" anchor="ctr"/>
+          <a:lstStyle/>
+          <a:p>
+            <a:pPr algn="ctr"/>
+            <a:endParaRPr lang="en-US"/>
+          </a:p>
+        </p:txBody>
+      </p:sp>
+      <p:sp>
+        <p:nvSpPr>
+          <p:cNvPr id="53" name="TextBox 52"/>
+          <p:cNvSpPr txBox="1"/>
+          <p:nvPr/>
+        </p:nvSpPr>
+        <p:spPr>
+          <a:xfrm>
+            <a:off x="7343425" y="3159807"/>
+            <a:ext cx="2037254" cy="584775"/>
+          </a:xfrm>
+          <a:prstGeom prst="rect">
+            <a:avLst/>
+          </a:prstGeom>
+          <a:noFill/>
+        </p:spPr>
+        <p:txBody>
+          <a:bodyPr wrap="square" rtlCol="0">
+            <a:spAutoFit/>
+          </a:bodyPr>
+          <a:lstStyle/>
+          <a:p>
+            <a:r>
+              <a:rPr lang="en-US" sz="1600" b="1" dirty="0" smtClean="0">
+                <a:solidFill>
+                  <a:srgbClr val="C00000"/>
+                </a:solidFill>
+                <a:latin typeface="Garamond" panose="02020404030301010803" pitchFamily="18" charset="0"/>
+              </a:rPr>
+              <a:t>We make some guesses too</a:t>
+            </a:r>
+            <a:endParaRPr lang="en-US" sz="1600" b="1" dirty="0">
+              <a:solidFill>
+                <a:srgbClr val="C00000"/>
+              </a:solidFill>
+              <a:latin typeface="Garamond" panose="02020404030301010803" pitchFamily="18" charset="0"/>
+            </a:endParaRPr>
+          </a:p>
+        </p:txBody>
+      </p:sp>
+      <p:cxnSp>
+        <p:nvCxnSpPr>
+          <p:cNvPr id="55" name="Curved Connector 54"/>
+          <p:cNvCxnSpPr>
+            <a:endCxn id="49" idx="2"/>
+          </p:cNvCxnSpPr>
+          <p:nvPr/>
+        </p:nvCxnSpPr>
+        <p:spPr>
+          <a:xfrm rot="16200000" flipH="1">
+            <a:off x="8118758" y="3810907"/>
+            <a:ext cx="894788" cy="832590"/>
+          </a:xfrm>
+          <a:prstGeom prst="curvedConnector2">
+            <a:avLst/>
+          </a:prstGeom>
+          <a:ln w="28575">
+            <a:solidFill>
+              <a:srgbClr val="C00000">
+                <a:alpha val="54000"/>
+              </a:srgbClr>
+            </a:solidFill>
+            <a:tailEnd type="triangle"/>
+          </a:ln>
+        </p:spPr>
+        <p:style>
+          <a:lnRef idx="1">
+            <a:schemeClr val="accent1"/>
+          </a:lnRef>
+          <a:fillRef idx="0">
+            <a:schemeClr val="accent1"/>
+          </a:fillRef>
+          <a:effectRef idx="0">
+            <a:schemeClr val="accent1"/>
+          </a:effectRef>
+          <a:fontRef idx="minor">
+            <a:schemeClr val="tx1"/>
+          </a:fontRef>
+        </p:style>
+      </p:cxnSp>
+    </p:spTree>
+    <p:extLst>
+      <p:ext uri="{BB962C8B-B14F-4D97-AF65-F5344CB8AC3E}">
+        <p14:creationId xmlns:p14="http://schemas.microsoft.com/office/powerpoint/2010/main" val="474127542"/>
+      </p:ext>
+    </p:extLst>
+  </p:cSld>
+  <p:clrMapOvr>
+    <a:masterClrMapping/>
+  </p:clrMapOvr>
+  <p:timing>
+    <p:tnLst>
+      <p:par>
+        <p:cTn id="1" dur="indefinite" restart="never" nodeType="tmRoot"/>
+      </p:par>
+    </p:tnLst>
+  </p:timing>
+</p:sld>
+</file>
+
+<file path=ppt/slides/slide4.xml><?xml version="1.0" encoding="utf-8"?>
+<p:sld xmlns:a="http://schemas.openxmlformats.org/drawingml/2006/main" xmlns:r="http://schemas.openxmlformats.org/officeDocument/2006/relationships" xmlns:p="http://schemas.openxmlformats.org/presentationml/2006/main">
+  <p:cSld>
+    <p:spTree>
+      <p:nvGrpSpPr>
+        <p:cNvPr id="1" name=""/>
+        <p:cNvGrpSpPr/>
+        <p:nvPr/>
+      </p:nvGrpSpPr>
+      <p:grpSpPr>
+        <a:xfrm>
+          <a:off x="0" y="0"/>
+          <a:ext cx="0" cy="0"/>
+          <a:chOff x="0" y="0"/>
+          <a:chExt cx="0" cy="0"/>
+        </a:xfrm>
+      </p:grpSpPr>
+      <p:pic>
+        <p:nvPicPr>
+          <p:cNvPr id="18" name="Picture 17"/>
+          <p:cNvPicPr>
+            <a:picLocks noChangeAspect="1"/>
+          </p:cNvPicPr>
+          <p:nvPr/>
+        </p:nvPicPr>
+        <p:blipFill>
+          <a:blip r:embed="rId3"/>
+          <a:stretch>
+            <a:fillRect/>
+          </a:stretch>
+        </p:blipFill>
+        <p:spPr>
+          <a:xfrm>
+            <a:off x="309789" y="4076804"/>
+            <a:ext cx="3775565" cy="2065744"/>
+          </a:xfrm>
+          <a:prstGeom prst="rect">
+            <a:avLst/>
+          </a:prstGeom>
+        </p:spPr>
+      </p:pic>
+      <p:sp>
+        <p:nvSpPr>
+          <p:cNvPr id="4" name="Slide Number Placeholder 3"/>
+          <p:cNvSpPr>
+            <a:spLocks noGrp="1"/>
+          </p:cNvSpPr>
+          <p:nvPr>
+            <p:ph type="sldNum" sz="quarter" idx="12"/>
+          </p:nvPr>
+        </p:nvSpPr>
+        <p:spPr>
+          <a:xfrm>
+            <a:off x="9306059" y="6438513"/>
+            <a:ext cx="2743200" cy="365125"/>
+          </a:xfrm>
+        </p:spPr>
+        <p:txBody>
+          <a:bodyPr/>
+          <a:lstStyle/>
+          <a:p>
+            <a:fld id="{27225834-A5F4-4780-A9FC-586FB30F9BB0}" type="slidenum">
+              <a:rPr lang="en-US" smtClean="0">
+                <a:latin typeface="Garamond" panose="02020404030301010803" pitchFamily="18" charset="0"/>
+              </a:rPr>
+              <a:t>4</a:t>
+            </a:fld>
+            <a:endParaRPr lang="en-US" dirty="0">
+              <a:latin typeface="Garamond" panose="02020404030301010803" pitchFamily="18" charset="0"/>
+            </a:endParaRPr>
+          </a:p>
+        </p:txBody>
+      </p:sp>
+      <p:pic>
+        <p:nvPicPr>
+          <p:cNvPr id="5" name="Picture 4"/>
+          <p:cNvPicPr>
+            <a:picLocks noChangeAspect="1"/>
+          </p:cNvPicPr>
+          <p:nvPr/>
+        </p:nvPicPr>
+        <p:blipFill>
+          <a:blip r:embed="rId4"/>
+          <a:stretch>
+            <a:fillRect/>
+          </a:stretch>
+        </p:blipFill>
+        <p:spPr>
+          <a:xfrm>
+            <a:off x="5204376" y="1271950"/>
+            <a:ext cx="2051500" cy="1735086"/>
+          </a:xfrm>
+          <a:prstGeom prst="rect">
+            <a:avLst/>
+          </a:prstGeom>
+        </p:spPr>
+      </p:pic>
+      <p:pic>
+        <p:nvPicPr>
+          <p:cNvPr id="6" name="Picture 5"/>
+          <p:cNvPicPr>
+            <a:picLocks noChangeAspect="1"/>
+          </p:cNvPicPr>
+          <p:nvPr/>
+        </p:nvPicPr>
+        <p:blipFill>
+          <a:blip r:embed="rId5"/>
+          <a:stretch>
+            <a:fillRect/>
+          </a:stretch>
+        </p:blipFill>
+        <p:spPr>
+          <a:xfrm>
+            <a:off x="5202978" y="3124316"/>
+            <a:ext cx="2052897" cy="1699442"/>
+          </a:xfrm>
+          <a:prstGeom prst="rect">
+            <a:avLst/>
+          </a:prstGeom>
+        </p:spPr>
+      </p:pic>
+      <p:pic>
+        <p:nvPicPr>
+          <p:cNvPr id="7" name="Picture 6"/>
+          <p:cNvPicPr>
+            <a:picLocks noChangeAspect="1"/>
+          </p:cNvPicPr>
+          <p:nvPr/>
+        </p:nvPicPr>
+        <p:blipFill>
+          <a:blip r:embed="rId6"/>
+          <a:stretch>
+            <a:fillRect/>
+          </a:stretch>
+        </p:blipFill>
+        <p:spPr>
+          <a:xfrm>
+            <a:off x="5266046" y="4941038"/>
+            <a:ext cx="1926760" cy="1793877"/>
+          </a:xfrm>
+          <a:prstGeom prst="rect">
+            <a:avLst/>
+          </a:prstGeom>
+        </p:spPr>
+      </p:pic>
+      <p:pic>
+        <p:nvPicPr>
+          <p:cNvPr id="8" name="Picture 7"/>
+          <p:cNvPicPr>
+            <a:picLocks noChangeAspect="1"/>
+          </p:cNvPicPr>
+          <p:nvPr/>
+        </p:nvPicPr>
+        <p:blipFill rotWithShape="1">
+          <a:blip r:embed="rId7" cstate="print">
+            <a:extLst>
+              <a:ext uri="{28A0092B-C50C-407E-A947-70E740481C1C}">
+                <a14:useLocalDpi xmlns:a14="http://schemas.microsoft.com/office/drawing/2010/main" val="0"/>
+              </a:ext>
+            </a:extLst>
+          </a:blip>
+          <a:srcRect l="8617" t="3576" r="10153" b="5191"/>
+          <a:stretch/>
+        </p:blipFill>
+        <p:spPr>
+          <a:xfrm>
+            <a:off x="9086545" y="1271950"/>
+            <a:ext cx="1371905" cy="5135113"/>
+          </a:xfrm>
+          <a:prstGeom prst="rect">
+            <a:avLst/>
+          </a:prstGeom>
+        </p:spPr>
+      </p:pic>
+      <p:pic>
+        <p:nvPicPr>
+          <p:cNvPr id="2" name="Picture 1"/>
+          <p:cNvPicPr>
+            <a:picLocks noChangeAspect="1"/>
+          </p:cNvPicPr>
+          <p:nvPr/>
+        </p:nvPicPr>
+        <p:blipFill rotWithShape="1">
+          <a:blip r:embed="rId8"/>
+          <a:srcRect t="1" b="1952"/>
+          <a:stretch/>
+        </p:blipFill>
+        <p:spPr>
+          <a:xfrm>
+            <a:off x="309789" y="1363044"/>
+            <a:ext cx="3491176" cy="2391992"/>
+          </a:xfrm>
+          <a:prstGeom prst="rect">
+            <a:avLst/>
+          </a:prstGeom>
+        </p:spPr>
+      </p:pic>
+      <p:sp>
+        <p:nvSpPr>
+          <p:cNvPr id="13" name="Oval 12"/>
+          <p:cNvSpPr/>
+          <p:nvPr/>
+        </p:nvSpPr>
+        <p:spPr>
+          <a:xfrm>
+            <a:off x="2352601" y="4452303"/>
+            <a:ext cx="827102" cy="534074"/>
+          </a:xfrm>
+          <a:prstGeom prst="ellipse">
+            <a:avLst/>
+          </a:prstGeom>
+          <a:noFill/>
+          <a:ln>
+            <a:solidFill>
+              <a:srgbClr val="C00000"/>
+            </a:solidFill>
+          </a:ln>
+        </p:spPr>
+        <p:style>
+          <a:lnRef idx="2">
+            <a:schemeClr val="accent1">
+              <a:shade val="50000"/>
+            </a:schemeClr>
+          </a:lnRef>
+          <a:fillRef idx="1">
+            <a:schemeClr val="accent1"/>
+          </a:fillRef>
+          <a:effectRef idx="0">
+            <a:schemeClr val="accent1"/>
+          </a:effectRef>
+          <a:fontRef idx="minor">
+            <a:schemeClr val="lt1"/>
+          </a:fontRef>
+        </p:style>
+        <p:txBody>
+          <a:bodyPr rtlCol="0" anchor="ctr"/>
+          <a:lstStyle/>
+          <a:p>
+            <a:pPr algn="ctr"/>
+            <a:endParaRPr lang="en-US"/>
+          </a:p>
+        </p:txBody>
+      </p:sp>
+      <p:cxnSp>
+        <p:nvCxnSpPr>
+          <p:cNvPr id="15" name="Curved Connector 14"/>
+          <p:cNvCxnSpPr/>
+          <p:nvPr/>
+        </p:nvCxnSpPr>
+        <p:spPr>
+          <a:xfrm>
+            <a:off x="2055377" y="4143122"/>
+            <a:ext cx="388418" cy="381442"/>
+          </a:xfrm>
+          <a:prstGeom prst="curvedConnector3">
+            <a:avLst/>
+          </a:prstGeom>
+          <a:ln>
+            <a:solidFill>
+              <a:srgbClr val="C00000"/>
+            </a:solidFill>
+            <a:tailEnd type="triangle"/>
+          </a:ln>
+        </p:spPr>
+        <p:style>
+          <a:lnRef idx="1">
+            <a:schemeClr val="accent1"/>
+          </a:lnRef>
+          <a:fillRef idx="0">
+            <a:schemeClr val="accent1"/>
+          </a:fillRef>
+          <a:effectRef idx="0">
+            <a:schemeClr val="accent1"/>
+          </a:effectRef>
+          <a:fontRef idx="minor">
+            <a:schemeClr val="tx1"/>
+          </a:fontRef>
+        </p:style>
+      </p:cxnSp>
+      <p:sp>
+        <p:nvSpPr>
+          <p:cNvPr id="21" name="TextBox 20"/>
+          <p:cNvSpPr txBox="1"/>
+          <p:nvPr/>
+        </p:nvSpPr>
+        <p:spPr>
+          <a:xfrm>
+            <a:off x="812006" y="355235"/>
+            <a:ext cx="2923711" cy="461665"/>
+          </a:xfrm>
+          <a:prstGeom prst="rect">
+            <a:avLst/>
+          </a:prstGeom>
+          <a:noFill/>
+        </p:spPr>
+        <p:txBody>
+          <a:bodyPr wrap="square" rtlCol="0">
+            <a:spAutoFit/>
+          </a:bodyPr>
+          <a:lstStyle/>
+          <a:p>
+            <a:r>
+              <a:rPr lang="en-US" sz="2400" b="1" dirty="0" smtClean="0">
+                <a:solidFill>
+                  <a:srgbClr val="C00000"/>
+                </a:solidFill>
+                <a:latin typeface="Garamond" panose="02020404030301010803" pitchFamily="18" charset="0"/>
+              </a:rPr>
+              <a:t>Map out predictions</a:t>
+            </a:r>
+          </a:p>
+        </p:txBody>
+      </p:sp>
+      <p:sp>
+        <p:nvSpPr>
+          <p:cNvPr id="23" name="TextBox 22"/>
+          <p:cNvSpPr txBox="1"/>
+          <p:nvPr/>
+        </p:nvSpPr>
+        <p:spPr>
+          <a:xfrm>
+            <a:off x="1087517" y="3941938"/>
+            <a:ext cx="2923711" cy="276999"/>
+          </a:xfrm>
+          <a:prstGeom prst="rect">
+            <a:avLst/>
+          </a:prstGeom>
+          <a:noFill/>
+        </p:spPr>
+        <p:txBody>
+          <a:bodyPr wrap="square" rtlCol="0">
+            <a:spAutoFit/>
+          </a:bodyPr>
+          <a:lstStyle/>
+          <a:p>
+            <a:r>
+              <a:rPr lang="en-US" sz="1200" b="1" dirty="0" smtClean="0">
+                <a:solidFill>
+                  <a:srgbClr val="C00000"/>
+                </a:solidFill>
+                <a:latin typeface="Garamond" panose="02020404030301010803" pitchFamily="18" charset="0"/>
+              </a:rPr>
+              <a:t>You are here</a:t>
+            </a:r>
+          </a:p>
+        </p:txBody>
+      </p:sp>
+      <p:sp>
+        <p:nvSpPr>
+          <p:cNvPr id="28" name="Rectangle 27"/>
+          <p:cNvSpPr/>
+          <p:nvPr/>
+        </p:nvSpPr>
+        <p:spPr>
+          <a:xfrm>
+            <a:off x="4856389" y="355235"/>
+            <a:ext cx="2900153" cy="461665"/>
+          </a:xfrm>
+          <a:prstGeom prst="rect">
+            <a:avLst/>
+          </a:prstGeom>
+        </p:spPr>
+        <p:txBody>
+          <a:bodyPr wrap="none">
+            <a:spAutoFit/>
+          </a:bodyPr>
+          <a:lstStyle/>
+          <a:p>
+            <a:r>
+              <a:rPr lang="en-US" sz="2400" b="1" dirty="0" smtClean="0">
+                <a:solidFill>
+                  <a:srgbClr val="C00000"/>
+                </a:solidFill>
+                <a:latin typeface="Garamond" panose="02020404030301010803" pitchFamily="18" charset="0"/>
+              </a:rPr>
+              <a:t>Play with the design </a:t>
+            </a:r>
+            <a:endParaRPr lang="en-US" sz="2400" b="1" dirty="0">
+              <a:solidFill>
+                <a:srgbClr val="C00000"/>
+              </a:solidFill>
+              <a:latin typeface="Garamond" panose="02020404030301010803" pitchFamily="18" charset="0"/>
+            </a:endParaRPr>
+          </a:p>
+        </p:txBody>
+      </p:sp>
+    </p:spTree>
+    <p:extLst>
+      <p:ext uri="{BB962C8B-B14F-4D97-AF65-F5344CB8AC3E}">
+        <p14:creationId xmlns:p14="http://schemas.microsoft.com/office/powerpoint/2010/main" val="3271335454"/>
+      </p:ext>
+    </p:extLst>
+  </p:cSld>
+  <p:clrMapOvr>
+    <a:masterClrMapping/>
+  </p:clrMapOvr>
+  <p:timing>
+    <p:tnLst>
+      <p:par>
+        <p:cTn id="1" dur="indefinite" restart="never" nodeType="tmRoot"/>
+      </p:par>
+    </p:tnLst>
+  </p:timing>
+</p:sld>
+</file>
+
+<file path=ppt/slides/slide5.xml><?xml version="1.0" encoding="utf-8"?>
+<p:sld xmlns:a="http://schemas.openxmlformats.org/drawingml/2006/main" xmlns:r="http://schemas.openxmlformats.org/officeDocument/2006/relationships" xmlns:p="http://schemas.openxmlformats.org/presentationml/2006/main">
+  <p:cSld>
+    <p:spTree>
+      <p:nvGrpSpPr>
+        <p:cNvPr id="1" name=""/>
+        <p:cNvGrpSpPr/>
+        <p:nvPr/>
+      </p:nvGrpSpPr>
+      <p:grpSpPr>
+        <a:xfrm>
+          <a:off x="0" y="0"/>
+          <a:ext cx="0" cy="0"/>
+          <a:chOff x="0" y="0"/>
+          <a:chExt cx="0" cy="0"/>
+        </a:xfrm>
+      </p:grpSpPr>
+      <p:sp>
+        <p:nvSpPr>
+          <p:cNvPr id="4" name="Slide Number Placeholder 3"/>
+          <p:cNvSpPr>
+            <a:spLocks noGrp="1"/>
+          </p:cNvSpPr>
+          <p:nvPr>
+            <p:ph type="sldNum" sz="quarter" idx="12"/>
+          </p:nvPr>
+        </p:nvSpPr>
+        <p:spPr>
+          <a:xfrm>
+            <a:off x="9306059" y="6438513"/>
+            <a:ext cx="2743200" cy="365125"/>
+          </a:xfrm>
+        </p:spPr>
+        <p:txBody>
+          <a:bodyPr/>
+          <a:lstStyle/>
+          <a:p>
+            <a:fld id="{27225834-A5F4-4780-A9FC-586FB30F9BB0}" type="slidenum">
+              <a:rPr lang="en-US" smtClean="0">
+                <a:latin typeface="Garamond" panose="02020404030301010803" pitchFamily="18" charset="0"/>
+              </a:rPr>
+              <a:t>5</a:t>
             </a:fld>
             <a:endParaRPr lang="en-US" dirty="0">
               <a:latin typeface="Garamond" panose="02020404030301010803" pitchFamily="18" charset="0"/>

--- a/Docs/Presentations/Slides/Capstone Showcase Active.pptx
+++ b/Docs/Presentations/Slides/Capstone Showcase Active.pptx
@@ -4012,7 +4012,14 @@
                 <a:latin typeface="Times New Roman" panose="02020603050405020304" pitchFamily="18" charset="0"/>
                 <a:cs typeface="Times New Roman" panose="02020603050405020304" pitchFamily="18" charset="0"/>
               </a:rPr>
-              <a:t>Electronic Propellant Feed System </a:t>
+              <a:t>Electric </a:t>
+            </a:r>
+            <a:r>
+              <a:rPr lang="en-US" sz="6600" b="1" dirty="0" smtClean="0">
+                <a:latin typeface="Times New Roman" panose="02020603050405020304" pitchFamily="18" charset="0"/>
+                <a:cs typeface="Times New Roman" panose="02020603050405020304" pitchFamily="18" charset="0"/>
+              </a:rPr>
+              <a:t>Propellant Feed System </a:t>
             </a:r>
             <a:endParaRPr lang="en-US" sz="6600" b="1" dirty="0">
               <a:latin typeface="Times New Roman" panose="02020603050405020304" pitchFamily="18" charset="0"/>
@@ -5244,16 +5251,7 @@
                 </a:solidFill>
                 <a:latin typeface="Garamond" panose="02020404030301010803" pitchFamily="18" charset="0"/>
               </a:rPr>
-              <a:t>Scientific </a:t>
-            </a:r>
-            <a:r>
-              <a:rPr lang="en-US" sz="2400" b="1" dirty="0" smtClean="0">
-                <a:solidFill>
-                  <a:srgbClr val="C00000"/>
-                </a:solidFill>
-                <a:latin typeface="Garamond" panose="02020404030301010803" pitchFamily="18" charset="0"/>
-              </a:rPr>
-              <a:t>computing</a:t>
+              <a:t>Scientific computing</a:t>
             </a:r>
           </a:p>
           <a:p>
@@ -5776,12 +5774,6 @@
               </a:rPr>
               <a:t>Visualize Results</a:t>
             </a:r>
-            <a:endParaRPr lang="en-US" sz="2400" b="1" dirty="0" smtClean="0">
-              <a:solidFill>
-                <a:srgbClr val="C00000"/>
-              </a:solidFill>
-              <a:latin typeface="Garamond" panose="02020404030301010803" pitchFamily="18" charset="0"/>
-            </a:endParaRPr>
           </a:p>
         </p:txBody>
       </p:sp>
@@ -5896,12 +5888,6 @@
               </a:rPr>
               <a:t>Viola</a:t>
             </a:r>
-            <a:endParaRPr lang="en-US" sz="2400" b="1" dirty="0" smtClean="0">
-              <a:solidFill>
-                <a:srgbClr val="C00000"/>
-              </a:solidFill>
-              <a:latin typeface="Garamond" panose="02020404030301010803" pitchFamily="18" charset="0"/>
-            </a:endParaRPr>
           </a:p>
         </p:txBody>
       </p:sp>

--- a/Docs/Presentations/Slides/Capstone Showcase Active.pptx
+++ b/Docs/Presentations/Slides/Capstone Showcase Active.pptx
@@ -1087,7 +1087,7 @@
           <a:bodyPr/>
           <a:lstStyle/>
           <a:p>
-            <a:endParaRPr lang="en-US"/>
+            <a:endParaRPr lang="en-US" dirty="0"/>
           </a:p>
         </p:txBody>
       </p:sp>
@@ -4012,14 +4012,7 @@
                 <a:latin typeface="Times New Roman" panose="02020603050405020304" pitchFamily="18" charset="0"/>
                 <a:cs typeface="Times New Roman" panose="02020603050405020304" pitchFamily="18" charset="0"/>
               </a:rPr>
-              <a:t>Electric </a:t>
-            </a:r>
-            <a:r>
-              <a:rPr lang="en-US" sz="6600" b="1" dirty="0" smtClean="0">
-                <a:latin typeface="Times New Roman" panose="02020603050405020304" pitchFamily="18" charset="0"/>
-                <a:cs typeface="Times New Roman" panose="02020603050405020304" pitchFamily="18" charset="0"/>
-              </a:rPr>
-              <a:t>Propellant Feed System </a:t>
+              <a:t>Electric Propellant Feed System </a:t>
             </a:r>
             <a:endParaRPr lang="en-US" sz="6600" b="1" dirty="0">
               <a:latin typeface="Times New Roman" panose="02020603050405020304" pitchFamily="18" charset="0"/>
@@ -4774,8 +4767,8 @@
         </p:blipFill>
         <p:spPr>
           <a:xfrm>
-            <a:off x="4514537" y="5851602"/>
-            <a:ext cx="2915013" cy="659841"/>
+            <a:off x="4425961" y="5851602"/>
+            <a:ext cx="3003590" cy="659841"/>
           </a:xfrm>
           <a:prstGeom prst="rect">
             <a:avLst/>
@@ -5190,7 +5183,7 @@
         </p:nvSpPr>
         <p:spPr>
           <a:xfrm>
-            <a:off x="4873648" y="409272"/>
+            <a:off x="4873648" y="409345"/>
             <a:ext cx="3094685" cy="461665"/>
           </a:xfrm>
           <a:prstGeom prst="rect">
@@ -5230,8 +5223,8 @@
         </p:nvSpPr>
         <p:spPr>
           <a:xfrm>
-            <a:off x="9078865" y="226999"/>
-            <a:ext cx="2923711" cy="677108"/>
+            <a:off x="9078865" y="395540"/>
+            <a:ext cx="2923711" cy="461665"/>
           </a:xfrm>
           <a:prstGeom prst="rect">
             <a:avLst/>
@@ -5251,18 +5244,21 @@
                 </a:solidFill>
                 <a:latin typeface="Garamond" panose="02020404030301010803" pitchFamily="18" charset="0"/>
               </a:rPr>
-              <a:t>Scientific computing</a:t>
-            </a:r>
-          </a:p>
-          <a:p>
-            <a:pPr algn="ctr"/>
-            <a:r>
-              <a:rPr lang="en-US" sz="1400" b="1" dirty="0" smtClean="0">
+              <a:t>Scientific </a:t>
+            </a:r>
+            <a:r>
+              <a:rPr lang="en-US" sz="2400" b="1" dirty="0" smtClean="0">
+                <a:solidFill>
+                  <a:srgbClr val="C00000"/>
+                </a:solidFill>
                 <a:latin typeface="Garamond" panose="02020404030301010803" pitchFamily="18" charset="0"/>
               </a:rPr>
-              <a:t>(Iterative, live design)</a:t>
-            </a:r>
-            <a:endParaRPr lang="en-US" sz="1200" b="1" dirty="0" smtClean="0">
+              <a:t>computing</a:t>
+            </a:r>
+            <a:endParaRPr lang="en-US" sz="2400" b="1" dirty="0" smtClean="0">
+              <a:solidFill>
+                <a:srgbClr val="C00000"/>
+              </a:solidFill>
               <a:latin typeface="Garamond" panose="02020404030301010803" pitchFamily="18" charset="0"/>
             </a:endParaRPr>
           </a:p>
@@ -5497,8 +5493,8 @@
         </p:blipFill>
         <p:spPr>
           <a:xfrm>
-            <a:off x="451983" y="4080437"/>
-            <a:ext cx="3775565" cy="2065744"/>
+            <a:off x="580075" y="4207049"/>
+            <a:ext cx="4078452" cy="2231464"/>
           </a:xfrm>
           <a:prstGeom prst="rect">
             <a:avLst/>
@@ -5553,7 +5549,7 @@
         </p:blipFill>
         <p:spPr>
           <a:xfrm>
-            <a:off x="5204376" y="1271950"/>
+            <a:off x="5721081" y="1174339"/>
             <a:ext cx="2051500" cy="1735086"/>
           </a:xfrm>
           <a:prstGeom prst="rect">
@@ -5577,7 +5573,7 @@
         </p:blipFill>
         <p:spPr>
           <a:xfrm>
-            <a:off x="5202978" y="3124316"/>
+            <a:off x="5719683" y="3026705"/>
             <a:ext cx="2052897" cy="1699442"/>
           </a:xfrm>
           <a:prstGeom prst="rect">
@@ -5601,7 +5597,7 @@
         </p:blipFill>
         <p:spPr>
           <a:xfrm>
-            <a:off x="5266046" y="4941038"/>
+            <a:off x="5782751" y="4843427"/>
             <a:ext cx="1926760" cy="1793877"/>
           </a:xfrm>
           <a:prstGeom prst="rect">
@@ -5630,8 +5626,8 @@
         </p:blipFill>
         <p:spPr>
           <a:xfrm>
-            <a:off x="9048750" y="1126279"/>
-            <a:ext cx="1419225" cy="5312234"/>
+            <a:off x="9377740" y="1028668"/>
+            <a:ext cx="1475943" cy="5524532"/>
           </a:xfrm>
           <a:prstGeom prst="rect">
             <a:avLst/>
@@ -5653,8 +5649,8 @@
         </p:blipFill>
         <p:spPr>
           <a:xfrm>
-            <a:off x="451983" y="1329142"/>
-            <a:ext cx="3491176" cy="2391992"/>
+            <a:off x="641308" y="1156866"/>
+            <a:ext cx="3816392" cy="2614815"/>
           </a:xfrm>
           <a:prstGeom prst="rect">
             <a:avLst/>
@@ -5669,14 +5665,14 @@
         </p:nvSpPr>
         <p:spPr>
           <a:xfrm>
-            <a:off x="2352601" y="4452303"/>
-            <a:ext cx="827102" cy="534074"/>
+            <a:off x="2748002" y="4576390"/>
+            <a:ext cx="871497" cy="533948"/>
           </a:xfrm>
           <a:prstGeom prst="ellipse">
             <a:avLst/>
           </a:prstGeom>
           <a:noFill/>
-          <a:ln>
+          <a:ln w="38100">
             <a:solidFill>
               <a:srgbClr val="C00000"/>
             </a:solidFill>
@@ -5715,7 +5711,7 @@
         </p:nvCxnSpPr>
         <p:spPr>
           <a:xfrm>
-            <a:off x="2055377" y="4143122"/>
+            <a:off x="2425092" y="4293528"/>
             <a:ext cx="388418" cy="381442"/>
           </a:xfrm>
           <a:prstGeom prst="curvedConnector3">
@@ -5751,8 +5747,8 @@
         </p:nvSpPr>
         <p:spPr>
           <a:xfrm>
-            <a:off x="959082" y="355235"/>
-            <a:ext cx="2923711" cy="461665"/>
+            <a:off x="1102846" y="257624"/>
+            <a:ext cx="3032909" cy="1046440"/>
           </a:xfrm>
           <a:prstGeom prst="rect">
             <a:avLst/>
@@ -5772,8 +5768,28 @@
                 </a:solidFill>
                 <a:latin typeface="Garamond" panose="02020404030301010803" pitchFamily="18" charset="0"/>
               </a:rPr>
-              <a:t>Visualize Results</a:t>
-            </a:r>
+              <a:t>Visualize the Results</a:t>
+            </a:r>
+          </a:p>
+          <a:p>
+            <a:pPr algn="ctr"/>
+            <a:r>
+              <a:rPr lang="en-US" sz="1400" b="1" dirty="0" smtClean="0">
+                <a:latin typeface="Garamond" panose="02020404030301010803" pitchFamily="18" charset="0"/>
+              </a:rPr>
+              <a:t>(If you can plot it, plot it!)</a:t>
+            </a:r>
+            <a:endParaRPr lang="en-US" sz="1400" b="1" dirty="0">
+              <a:latin typeface="Garamond" panose="02020404030301010803" pitchFamily="18" charset="0"/>
+            </a:endParaRPr>
+          </a:p>
+          <a:p>
+            <a:endParaRPr lang="en-US" sz="2400" b="1" dirty="0" smtClean="0">
+              <a:solidFill>
+                <a:srgbClr val="C00000"/>
+              </a:solidFill>
+              <a:latin typeface="Garamond" panose="02020404030301010803" pitchFamily="18" charset="0"/>
+            </a:endParaRPr>
           </a:p>
         </p:txBody>
       </p:sp>
@@ -5785,7 +5801,7 @@
         </p:nvSpPr>
         <p:spPr>
           <a:xfrm>
-            <a:off x="1019448" y="3876426"/>
+            <a:off x="1362538" y="4038777"/>
             <a:ext cx="2923711" cy="307777"/>
           </a:xfrm>
           <a:prstGeom prst="rect">
@@ -5819,7 +5835,7 @@
         </p:nvSpPr>
         <p:spPr>
           <a:xfrm>
-            <a:off x="4856389" y="355235"/>
+            <a:off x="5373094" y="257624"/>
             <a:ext cx="2615844" cy="677108"/>
           </a:xfrm>
           <a:prstGeom prst="rect">
@@ -5864,8 +5880,8 @@
         </p:nvSpPr>
         <p:spPr>
           <a:xfrm>
-            <a:off x="8296506" y="355235"/>
-            <a:ext cx="2923711" cy="461665"/>
+            <a:off x="8625496" y="257624"/>
+            <a:ext cx="2971989" cy="677108"/>
           </a:xfrm>
           <a:prstGeom prst="rect">
             <a:avLst/>
@@ -5888,6 +5904,18 @@
               </a:rPr>
               <a:t>Viola</a:t>
             </a:r>
+          </a:p>
+          <a:p>
+            <a:pPr algn="ctr"/>
+            <a:r>
+              <a:rPr lang="en-US" sz="1400" b="1" dirty="0" smtClean="0">
+                <a:latin typeface="Garamond" panose="02020404030301010803" pitchFamily="18" charset="0"/>
+              </a:rPr>
+              <a:t>(3D-Printed Stainless Steel)</a:t>
+            </a:r>
+            <a:endParaRPr lang="en-US" sz="1400" b="1" dirty="0" smtClean="0">
+              <a:latin typeface="Garamond" panose="02020404030301010803" pitchFamily="18" charset="0"/>
+            </a:endParaRPr>
           </a:p>
         </p:txBody>
       </p:sp>
@@ -5960,42 +5988,30 @@
           </a:p>
         </p:txBody>
       </p:sp>
-      <p:sp>
-        <p:nvSpPr>
-          <p:cNvPr id="19" name="TextBox 18"/>
-          <p:cNvSpPr txBox="1"/>
+      <p:pic>
+        <p:nvPicPr>
+          <p:cNvPr id="7" name="Picture 6"/>
+          <p:cNvPicPr>
+            <a:picLocks noChangeAspect="1"/>
+          </p:cNvPicPr>
           <p:nvPr/>
-        </p:nvSpPr>
-        <p:spPr>
-          <a:xfrm>
-            <a:off x="128788" y="6482577"/>
-            <a:ext cx="4201920" cy="276999"/>
+        </p:nvPicPr>
+        <p:blipFill>
+          <a:blip r:embed="rId3"/>
+          <a:stretch>
+            <a:fillRect/>
+          </a:stretch>
+        </p:blipFill>
+        <p:spPr>
+          <a:xfrm>
+            <a:off x="1479176" y="142073"/>
+            <a:ext cx="9654708" cy="6715927"/>
           </a:xfrm>
           <a:prstGeom prst="rect">
             <a:avLst/>
           </a:prstGeom>
-          <a:noFill/>
-        </p:spPr>
-        <p:txBody>
-          <a:bodyPr wrap="none" rtlCol="0">
-            <a:spAutoFit/>
-          </a:bodyPr>
-          <a:lstStyle/>
-          <a:p>
-            <a:r>
-              <a:rPr lang="en-US" sz="1200" dirty="0" smtClean="0">
-                <a:latin typeface="Garamond" panose="02020404030301010803" pitchFamily="18" charset="0"/>
-                <a:cs typeface="Times New Roman" panose="02020603050405020304" pitchFamily="18" charset="0"/>
-              </a:rPr>
-              <a:t>Portland State Aerospace Society | Electric Propellant Feed System</a:t>
-            </a:r>
-            <a:endParaRPr lang="en-US" sz="1200" dirty="0">
-              <a:latin typeface="Garamond" panose="02020404030301010803" pitchFamily="18" charset="0"/>
-              <a:cs typeface="Times New Roman" panose="02020603050405020304" pitchFamily="18" charset="0"/>
-            </a:endParaRPr>
-          </a:p>
-        </p:txBody>
-      </p:sp>
+        </p:spPr>
+      </p:pic>
     </p:spTree>
     <p:extLst>
       <p:ext uri="{BB962C8B-B14F-4D97-AF65-F5344CB8AC3E}">
